--- a/progressReportWinterTerm/AlexHofferWinterTermProgReport.pptx
+++ b/progressReportWinterTerm/AlexHofferWinterTermProgReport.pptx
@@ -21,6 +21,9 @@
     <p:sldId id="271" r:id="rId15"/>
     <p:sldId id="266" r:id="rId16"/>
     <p:sldId id="258" r:id="rId17"/>
+    <p:sldId id="272" r:id="rId18"/>
+    <p:sldId id="273" r:id="rId19"/>
+    <p:sldId id="274" r:id="rId20"/>
   </p:sldIdLst>
   <p:sldSz cx="12192000" cy="6858000"/>
   <p:notesSz cx="6858000" cy="9144000"/>
@@ -705,7 +708,7 @@
           </a:lstStyle>
           <a:p>
             <a:r>
-              <a:rPr lang="en-US" smtClean="0"/>
+              <a:rPr lang="en-US"/>
               <a:t>Click to edit Master title style</a:t>
             </a:r>
             <a:endParaRPr lang="en-US" dirty="0"/>
@@ -825,7 +828,7 @@
           </a:lstStyle>
           <a:p>
             <a:r>
-              <a:rPr lang="en-US" smtClean="0"/>
+              <a:rPr lang="en-US"/>
               <a:t>Click to edit Master subtitle style</a:t>
             </a:r>
             <a:endParaRPr lang="en-US" dirty="0"/>
@@ -849,7 +852,7 @@
           <a:p>
             <a:fld id="{802020DA-F7BC-453F-ACFA-C5AEC466A7CF}" type="datetimeFigureOut">
               <a:rPr lang="en-US" smtClean="0"/>
-              <a:t>2/14/2017</a:t>
+              <a:t>2/15/2017</a:t>
             </a:fld>
             <a:endParaRPr lang="en-US"/>
           </a:p>
@@ -954,7 +957,7 @@
           </a:lstStyle>
           <a:p>
             <a:r>
-              <a:rPr lang="en-US" smtClean="0"/>
+              <a:rPr lang="en-US"/>
               <a:t>Click to edit Master title style</a:t>
             </a:r>
             <a:endParaRPr lang="en-US" dirty="0"/>
@@ -1077,7 +1080,7 @@
           <a:p>
             <a:pPr lvl="0"/>
             <a:r>
-              <a:rPr lang="en-US" smtClean="0"/>
+              <a:rPr lang="en-US"/>
               <a:t>Edit Master text styles</a:t>
             </a:r>
           </a:p>
@@ -1100,7 +1103,7 @@
           <a:p>
             <a:fld id="{802020DA-F7BC-453F-ACFA-C5AEC466A7CF}" type="datetimeFigureOut">
               <a:rPr lang="en-US" smtClean="0"/>
-              <a:t>2/14/2017</a:t>
+              <a:t>2/15/2017</a:t>
             </a:fld>
             <a:endParaRPr lang="en-US"/>
           </a:p>
@@ -1205,7 +1208,7 @@
           </a:lstStyle>
           <a:p>
             <a:r>
-              <a:rPr lang="en-US" smtClean="0"/>
+              <a:rPr lang="en-US"/>
               <a:t>Click to edit Master title style</a:t>
             </a:r>
             <a:endParaRPr lang="en-US" dirty="0"/>
@@ -1269,7 +1272,7 @@
           <a:p>
             <a:pPr lvl="0"/>
             <a:r>
-              <a:rPr lang="en-US" smtClean="0"/>
+              <a:rPr lang="en-US"/>
               <a:t>Edit Master text styles</a:t>
             </a:r>
           </a:p>
@@ -1391,7 +1394,7 @@
           <a:p>
             <a:pPr lvl="0"/>
             <a:r>
-              <a:rPr lang="en-US" smtClean="0"/>
+              <a:rPr lang="en-US"/>
               <a:t>Edit Master text styles</a:t>
             </a:r>
           </a:p>
@@ -1414,7 +1417,7 @@
           <a:p>
             <a:fld id="{802020DA-F7BC-453F-ACFA-C5AEC466A7CF}" type="datetimeFigureOut">
               <a:rPr lang="en-US" smtClean="0"/>
-              <a:t>2/14/2017</a:t>
+              <a:t>2/15/2017</a:t>
             </a:fld>
             <a:endParaRPr lang="en-US"/>
           </a:p>
@@ -1609,7 +1612,7 @@
           </a:lstStyle>
           <a:p>
             <a:r>
-              <a:rPr lang="en-US" smtClean="0"/>
+              <a:rPr lang="en-US"/>
               <a:t>Click to edit Master title style</a:t>
             </a:r>
             <a:endParaRPr lang="en-US" dirty="0"/>
@@ -1732,7 +1735,7 @@
           <a:p>
             <a:pPr lvl="0"/>
             <a:r>
-              <a:rPr lang="en-US" smtClean="0"/>
+              <a:rPr lang="en-US"/>
               <a:t>Edit Master text styles</a:t>
             </a:r>
           </a:p>
@@ -1755,7 +1758,7 @@
           <a:p>
             <a:fld id="{802020DA-F7BC-453F-ACFA-C5AEC466A7CF}" type="datetimeFigureOut">
               <a:rPr lang="en-US" smtClean="0"/>
-              <a:t>2/14/2017</a:t>
+              <a:t>2/15/2017</a:t>
             </a:fld>
             <a:endParaRPr lang="en-US"/>
           </a:p>
@@ -1860,7 +1863,7 @@
           </a:lstStyle>
           <a:p>
             <a:r>
-              <a:rPr lang="en-US" smtClean="0"/>
+              <a:rPr lang="en-US"/>
               <a:t>Click to edit Master title style</a:t>
             </a:r>
             <a:endParaRPr lang="en-US" dirty="0"/>
@@ -1924,7 +1927,7 @@
           <a:p>
             <a:pPr lvl="0"/>
             <a:r>
-              <a:rPr lang="en-US" smtClean="0"/>
+              <a:rPr lang="en-US"/>
               <a:t>Edit Master text styles</a:t>
             </a:r>
           </a:p>
@@ -2046,7 +2049,7 @@
           <a:p>
             <a:pPr lvl="0"/>
             <a:r>
-              <a:rPr lang="en-US" smtClean="0"/>
+              <a:rPr lang="en-US"/>
               <a:t>Edit Master text styles</a:t>
             </a:r>
           </a:p>
@@ -2069,7 +2072,7 @@
           <a:p>
             <a:fld id="{802020DA-F7BC-453F-ACFA-C5AEC466A7CF}" type="datetimeFigureOut">
               <a:rPr lang="en-US" smtClean="0"/>
-              <a:t>2/14/2017</a:t>
+              <a:t>2/15/2017</a:t>
             </a:fld>
             <a:endParaRPr lang="en-US"/>
           </a:p>
@@ -2256,7 +2259,7 @@
           </a:lstStyle>
           <a:p>
             <a:r>
-              <a:rPr lang="en-US" smtClean="0"/>
+              <a:rPr lang="en-US"/>
               <a:t>Click to edit Master title style</a:t>
             </a:r>
             <a:endParaRPr lang="en-US" dirty="0"/>
@@ -2317,7 +2320,7 @@
           <a:p>
             <a:pPr lvl="0"/>
             <a:r>
-              <a:rPr lang="en-US" smtClean="0"/>
+              <a:rPr lang="en-US"/>
               <a:t>Edit Master text styles</a:t>
             </a:r>
           </a:p>
@@ -2439,7 +2442,7 @@
           <a:p>
             <a:pPr lvl="0"/>
             <a:r>
-              <a:rPr lang="en-US" smtClean="0"/>
+              <a:rPr lang="en-US"/>
               <a:t>Edit Master text styles</a:t>
             </a:r>
           </a:p>
@@ -2462,7 +2465,7 @@
           <a:p>
             <a:fld id="{802020DA-F7BC-453F-ACFA-C5AEC466A7CF}" type="datetimeFigureOut">
               <a:rPr lang="en-US" smtClean="0"/>
-              <a:t>2/14/2017</a:t>
+              <a:t>2/15/2017</a:t>
             </a:fld>
             <a:endParaRPr lang="en-US"/>
           </a:p>
@@ -2556,7 +2559,7 @@
           <a:lstStyle/>
           <a:p>
             <a:r>
-              <a:rPr lang="en-US" smtClean="0"/>
+              <a:rPr lang="en-US"/>
               <a:t>Click to edit Master title style</a:t>
             </a:r>
             <a:endParaRPr lang="en-US" dirty="0"/>
@@ -2580,35 +2583,35 @@
           <a:p>
             <a:pPr lvl="0"/>
             <a:r>
-              <a:rPr lang="en-US" smtClean="0"/>
+              <a:rPr lang="en-US"/>
               <a:t>Edit Master text styles</a:t>
             </a:r>
           </a:p>
           <a:p>
             <a:pPr lvl="1"/>
             <a:r>
-              <a:rPr lang="en-US" smtClean="0"/>
+              <a:rPr lang="en-US"/>
               <a:t>Second level</a:t>
             </a:r>
           </a:p>
           <a:p>
             <a:pPr lvl="2"/>
             <a:r>
-              <a:rPr lang="en-US" smtClean="0"/>
+              <a:rPr lang="en-US"/>
               <a:t>Third level</a:t>
             </a:r>
           </a:p>
           <a:p>
             <a:pPr lvl="3"/>
             <a:r>
-              <a:rPr lang="en-US" smtClean="0"/>
+              <a:rPr lang="en-US"/>
               <a:t>Fourth level</a:t>
             </a:r>
           </a:p>
           <a:p>
             <a:pPr lvl="4"/>
             <a:r>
-              <a:rPr lang="en-US" smtClean="0"/>
+              <a:rPr lang="en-US"/>
               <a:t>Fifth level</a:t>
             </a:r>
             <a:endParaRPr lang="en-US" dirty="0"/>
@@ -2632,7 +2635,7 @@
           <a:p>
             <a:fld id="{802020DA-F7BC-453F-ACFA-C5AEC466A7CF}" type="datetimeFigureOut">
               <a:rPr lang="en-US" smtClean="0"/>
-              <a:t>2/14/2017</a:t>
+              <a:t>2/15/2017</a:t>
             </a:fld>
             <a:endParaRPr lang="en-US"/>
           </a:p>
@@ -2731,7 +2734,7 @@
           <a:lstStyle/>
           <a:p>
             <a:r>
-              <a:rPr lang="en-US" smtClean="0"/>
+              <a:rPr lang="en-US"/>
               <a:t>Click to edit Master title style</a:t>
             </a:r>
             <a:endParaRPr lang="en-US" dirty="0"/>
@@ -2760,35 +2763,35 @@
           <a:p>
             <a:pPr lvl="0"/>
             <a:r>
-              <a:rPr lang="en-US" smtClean="0"/>
+              <a:rPr lang="en-US"/>
               <a:t>Edit Master text styles</a:t>
             </a:r>
           </a:p>
           <a:p>
             <a:pPr lvl="1"/>
             <a:r>
-              <a:rPr lang="en-US" smtClean="0"/>
+              <a:rPr lang="en-US"/>
               <a:t>Second level</a:t>
             </a:r>
           </a:p>
           <a:p>
             <a:pPr lvl="2"/>
             <a:r>
-              <a:rPr lang="en-US" smtClean="0"/>
+              <a:rPr lang="en-US"/>
               <a:t>Third level</a:t>
             </a:r>
           </a:p>
           <a:p>
             <a:pPr lvl="3"/>
             <a:r>
-              <a:rPr lang="en-US" smtClean="0"/>
+              <a:rPr lang="en-US"/>
               <a:t>Fourth level</a:t>
             </a:r>
           </a:p>
           <a:p>
             <a:pPr lvl="4"/>
             <a:r>
-              <a:rPr lang="en-US" smtClean="0"/>
+              <a:rPr lang="en-US"/>
               <a:t>Fifth level</a:t>
             </a:r>
             <a:endParaRPr lang="en-US" dirty="0"/>
@@ -2812,7 +2815,7 @@
           <a:p>
             <a:fld id="{802020DA-F7BC-453F-ACFA-C5AEC466A7CF}" type="datetimeFigureOut">
               <a:rPr lang="en-US" smtClean="0"/>
-              <a:t>2/14/2017</a:t>
+              <a:t>2/15/2017</a:t>
             </a:fld>
             <a:endParaRPr lang="en-US"/>
           </a:p>
@@ -2912,7 +2915,7 @@
           </a:lstStyle>
           <a:p>
             <a:r>
-              <a:rPr lang="en-US" smtClean="0"/>
+              <a:rPr lang="en-US"/>
               <a:t>Click to edit Master title style</a:t>
             </a:r>
             <a:endParaRPr lang="en-US" dirty="0"/>
@@ -2936,35 +2939,35 @@
           <a:p>
             <a:pPr lvl="0"/>
             <a:r>
-              <a:rPr lang="en-US" smtClean="0"/>
+              <a:rPr lang="en-US"/>
               <a:t>Edit Master text styles</a:t>
             </a:r>
           </a:p>
           <a:p>
             <a:pPr lvl="1"/>
             <a:r>
-              <a:rPr lang="en-US" smtClean="0"/>
+              <a:rPr lang="en-US"/>
               <a:t>Second level</a:t>
             </a:r>
           </a:p>
           <a:p>
             <a:pPr lvl="2"/>
             <a:r>
-              <a:rPr lang="en-US" smtClean="0"/>
+              <a:rPr lang="en-US"/>
               <a:t>Third level</a:t>
             </a:r>
           </a:p>
           <a:p>
             <a:pPr lvl="3"/>
             <a:r>
-              <a:rPr lang="en-US" smtClean="0"/>
+              <a:rPr lang="en-US"/>
               <a:t>Fourth level</a:t>
             </a:r>
           </a:p>
           <a:p>
             <a:pPr lvl="4"/>
             <a:r>
-              <a:rPr lang="en-US" smtClean="0"/>
+              <a:rPr lang="en-US"/>
               <a:t>Fifth level</a:t>
             </a:r>
             <a:endParaRPr lang="en-US" dirty="0"/>
@@ -2988,7 +2991,7 @@
           <a:p>
             <a:fld id="{802020DA-F7BC-453F-ACFA-C5AEC466A7CF}" type="datetimeFigureOut">
               <a:rPr lang="en-US" smtClean="0"/>
-              <a:t>2/14/2017</a:t>
+              <a:t>2/15/2017</a:t>
             </a:fld>
             <a:endParaRPr lang="en-US"/>
           </a:p>
@@ -3091,7 +3094,7 @@
           </a:lstStyle>
           <a:p>
             <a:r>
-              <a:rPr lang="en-US" smtClean="0"/>
+              <a:rPr lang="en-US"/>
               <a:t>Click to edit Master title style</a:t>
             </a:r>
             <a:endParaRPr lang="en-US" dirty="0"/>
@@ -3212,7 +3215,7 @@
           <a:p>
             <a:pPr lvl="0"/>
             <a:r>
-              <a:rPr lang="en-US" smtClean="0"/>
+              <a:rPr lang="en-US"/>
               <a:t>Edit Master text styles</a:t>
             </a:r>
           </a:p>
@@ -3235,7 +3238,7 @@
           <a:p>
             <a:fld id="{802020DA-F7BC-453F-ACFA-C5AEC466A7CF}" type="datetimeFigureOut">
               <a:rPr lang="en-US" smtClean="0"/>
-              <a:t>2/14/2017</a:t>
+              <a:t>2/15/2017</a:t>
             </a:fld>
             <a:endParaRPr lang="en-US"/>
           </a:p>
@@ -3329,7 +3332,7 @@
           <a:lstStyle/>
           <a:p>
             <a:r>
-              <a:rPr lang="en-US" smtClean="0"/>
+              <a:rPr lang="en-US"/>
               <a:t>Click to edit Master title style</a:t>
             </a:r>
             <a:endParaRPr lang="en-US" dirty="0"/>
@@ -3358,35 +3361,35 @@
           <a:p>
             <a:pPr lvl="0"/>
             <a:r>
-              <a:rPr lang="en-US" smtClean="0"/>
+              <a:rPr lang="en-US"/>
               <a:t>Edit Master text styles</a:t>
             </a:r>
           </a:p>
           <a:p>
             <a:pPr lvl="1"/>
             <a:r>
-              <a:rPr lang="en-US" smtClean="0"/>
+              <a:rPr lang="en-US"/>
               <a:t>Second level</a:t>
             </a:r>
           </a:p>
           <a:p>
             <a:pPr lvl="2"/>
             <a:r>
-              <a:rPr lang="en-US" smtClean="0"/>
+              <a:rPr lang="en-US"/>
               <a:t>Third level</a:t>
             </a:r>
           </a:p>
           <a:p>
             <a:pPr lvl="3"/>
             <a:r>
-              <a:rPr lang="en-US" smtClean="0"/>
+              <a:rPr lang="en-US"/>
               <a:t>Fourth level</a:t>
             </a:r>
           </a:p>
           <a:p>
             <a:pPr lvl="4"/>
             <a:r>
-              <a:rPr lang="en-US" smtClean="0"/>
+              <a:rPr lang="en-US"/>
               <a:t>Fifth level</a:t>
             </a:r>
             <a:endParaRPr lang="en-US" dirty="0"/>
@@ -3415,35 +3418,35 @@
           <a:p>
             <a:pPr lvl="0"/>
             <a:r>
-              <a:rPr lang="en-US" smtClean="0"/>
+              <a:rPr lang="en-US"/>
               <a:t>Edit Master text styles</a:t>
             </a:r>
           </a:p>
           <a:p>
             <a:pPr lvl="1"/>
             <a:r>
-              <a:rPr lang="en-US" smtClean="0"/>
+              <a:rPr lang="en-US"/>
               <a:t>Second level</a:t>
             </a:r>
           </a:p>
           <a:p>
             <a:pPr lvl="2"/>
             <a:r>
-              <a:rPr lang="en-US" smtClean="0"/>
+              <a:rPr lang="en-US"/>
               <a:t>Third level</a:t>
             </a:r>
           </a:p>
           <a:p>
             <a:pPr lvl="3"/>
             <a:r>
-              <a:rPr lang="en-US" smtClean="0"/>
+              <a:rPr lang="en-US"/>
               <a:t>Fourth level</a:t>
             </a:r>
           </a:p>
           <a:p>
             <a:pPr lvl="4"/>
             <a:r>
-              <a:rPr lang="en-US" smtClean="0"/>
+              <a:rPr lang="en-US"/>
               <a:t>Fifth level</a:t>
             </a:r>
             <a:endParaRPr lang="en-US" dirty="0"/>
@@ -3467,7 +3470,7 @@
           <a:p>
             <a:fld id="{802020DA-F7BC-453F-ACFA-C5AEC466A7CF}" type="datetimeFigureOut">
               <a:rPr lang="en-US" smtClean="0"/>
-              <a:t>2/14/2017</a:t>
+              <a:t>2/15/2017</a:t>
             </a:fld>
             <a:endParaRPr lang="en-US"/>
           </a:p>
@@ -3565,7 +3568,7 @@
           </a:lstStyle>
           <a:p>
             <a:r>
-              <a:rPr lang="en-US" smtClean="0"/>
+              <a:rPr lang="en-US"/>
               <a:t>Click to edit Master title style</a:t>
             </a:r>
             <a:endParaRPr lang="en-US" dirty="0"/>
@@ -3633,7 +3636,7 @@
           <a:p>
             <a:pPr lvl="0"/>
             <a:r>
-              <a:rPr lang="en-US" smtClean="0"/>
+              <a:rPr lang="en-US"/>
               <a:t>Edit Master text styles</a:t>
             </a:r>
           </a:p>
@@ -3663,35 +3666,35 @@
           <a:p>
             <a:pPr lvl="0"/>
             <a:r>
-              <a:rPr lang="en-US" smtClean="0"/>
+              <a:rPr lang="en-US"/>
               <a:t>Edit Master text styles</a:t>
             </a:r>
           </a:p>
           <a:p>
             <a:pPr lvl="1"/>
             <a:r>
-              <a:rPr lang="en-US" smtClean="0"/>
+              <a:rPr lang="en-US"/>
               <a:t>Second level</a:t>
             </a:r>
           </a:p>
           <a:p>
             <a:pPr lvl="2"/>
             <a:r>
-              <a:rPr lang="en-US" smtClean="0"/>
+              <a:rPr lang="en-US"/>
               <a:t>Third level</a:t>
             </a:r>
           </a:p>
           <a:p>
             <a:pPr lvl="3"/>
             <a:r>
-              <a:rPr lang="en-US" smtClean="0"/>
+              <a:rPr lang="en-US"/>
               <a:t>Fourth level</a:t>
             </a:r>
           </a:p>
           <a:p>
             <a:pPr lvl="4"/>
             <a:r>
-              <a:rPr lang="en-US" smtClean="0"/>
+              <a:rPr lang="en-US"/>
               <a:t>Fifth level</a:t>
             </a:r>
             <a:endParaRPr lang="en-US" dirty="0"/>
@@ -3759,7 +3762,7 @@
           <a:p>
             <a:pPr lvl="0"/>
             <a:r>
-              <a:rPr lang="en-US" smtClean="0"/>
+              <a:rPr lang="en-US"/>
               <a:t>Edit Master text styles</a:t>
             </a:r>
           </a:p>
@@ -3789,35 +3792,35 @@
           <a:p>
             <a:pPr lvl="0"/>
             <a:r>
-              <a:rPr lang="en-US" smtClean="0"/>
+              <a:rPr lang="en-US"/>
               <a:t>Edit Master text styles</a:t>
             </a:r>
           </a:p>
           <a:p>
             <a:pPr lvl="1"/>
             <a:r>
-              <a:rPr lang="en-US" smtClean="0"/>
+              <a:rPr lang="en-US"/>
               <a:t>Second level</a:t>
             </a:r>
           </a:p>
           <a:p>
             <a:pPr lvl="2"/>
             <a:r>
-              <a:rPr lang="en-US" smtClean="0"/>
+              <a:rPr lang="en-US"/>
               <a:t>Third level</a:t>
             </a:r>
           </a:p>
           <a:p>
             <a:pPr lvl="3"/>
             <a:r>
-              <a:rPr lang="en-US" smtClean="0"/>
+              <a:rPr lang="en-US"/>
               <a:t>Fourth level</a:t>
             </a:r>
           </a:p>
           <a:p>
             <a:pPr lvl="4"/>
             <a:r>
-              <a:rPr lang="en-US" smtClean="0"/>
+              <a:rPr lang="en-US"/>
               <a:t>Fifth level</a:t>
             </a:r>
             <a:endParaRPr lang="en-US" dirty="0"/>
@@ -3841,7 +3844,7 @@
           <a:p>
             <a:fld id="{802020DA-F7BC-453F-ACFA-C5AEC466A7CF}" type="datetimeFigureOut">
               <a:rPr lang="en-US" smtClean="0"/>
-              <a:t>2/14/2017</a:t>
+              <a:t>2/15/2017</a:t>
             </a:fld>
             <a:endParaRPr lang="en-US"/>
           </a:p>
@@ -3940,7 +3943,7 @@
           <a:lstStyle/>
           <a:p>
             <a:r>
-              <a:rPr lang="en-US" smtClean="0"/>
+              <a:rPr lang="en-US"/>
               <a:t>Click to edit Master title style</a:t>
             </a:r>
             <a:endParaRPr lang="en-US" dirty="0"/>
@@ -3964,7 +3967,7 @@
           <a:p>
             <a:fld id="{802020DA-F7BC-453F-ACFA-C5AEC466A7CF}" type="datetimeFigureOut">
               <a:rPr lang="en-US" smtClean="0"/>
-              <a:t>2/14/2017</a:t>
+              <a:t>2/15/2017</a:t>
             </a:fld>
             <a:endParaRPr lang="en-US"/>
           </a:p>
@@ -4059,7 +4062,7 @@
           <a:p>
             <a:fld id="{802020DA-F7BC-453F-ACFA-C5AEC466A7CF}" type="datetimeFigureOut">
               <a:rPr lang="en-US" smtClean="0"/>
-              <a:t>2/14/2017</a:t>
+              <a:t>2/15/2017</a:t>
             </a:fld>
             <a:endParaRPr lang="en-US"/>
           </a:p>
@@ -4164,7 +4167,7 @@
           </a:lstStyle>
           <a:p>
             <a:r>
-              <a:rPr lang="en-US" smtClean="0"/>
+              <a:rPr lang="en-US"/>
               <a:t>Click to edit Master title style</a:t>
             </a:r>
             <a:endParaRPr lang="en-US" dirty="0"/>
@@ -4195,35 +4198,35 @@
           <a:p>
             <a:pPr lvl="0"/>
             <a:r>
-              <a:rPr lang="en-US" smtClean="0"/>
+              <a:rPr lang="en-US"/>
               <a:t>Edit Master text styles</a:t>
             </a:r>
           </a:p>
           <a:p>
             <a:pPr lvl="1"/>
             <a:r>
-              <a:rPr lang="en-US" smtClean="0"/>
+              <a:rPr lang="en-US"/>
               <a:t>Second level</a:t>
             </a:r>
           </a:p>
           <a:p>
             <a:pPr lvl="2"/>
             <a:r>
-              <a:rPr lang="en-US" smtClean="0"/>
+              <a:rPr lang="en-US"/>
               <a:t>Third level</a:t>
             </a:r>
           </a:p>
           <a:p>
             <a:pPr lvl="3"/>
             <a:r>
-              <a:rPr lang="en-US" smtClean="0"/>
+              <a:rPr lang="en-US"/>
               <a:t>Fourth level</a:t>
             </a:r>
           </a:p>
           <a:p>
             <a:pPr lvl="4"/>
             <a:r>
-              <a:rPr lang="en-US" smtClean="0"/>
+              <a:rPr lang="en-US"/>
               <a:t>Fifth level</a:t>
             </a:r>
             <a:endParaRPr lang="en-US" dirty="0"/>
@@ -4291,7 +4294,7 @@
           <a:p>
             <a:pPr lvl="0"/>
             <a:r>
-              <a:rPr lang="en-US" smtClean="0"/>
+              <a:rPr lang="en-US"/>
               <a:t>Edit Master text styles</a:t>
             </a:r>
           </a:p>
@@ -4314,7 +4317,7 @@
           <a:p>
             <a:fld id="{802020DA-F7BC-453F-ACFA-C5AEC466A7CF}" type="datetimeFigureOut">
               <a:rPr lang="en-US" smtClean="0"/>
-              <a:t>2/14/2017</a:t>
+              <a:t>2/15/2017</a:t>
             </a:fld>
             <a:endParaRPr lang="en-US"/>
           </a:p>
@@ -4419,7 +4422,7 @@
           </a:lstStyle>
           <a:p>
             <a:r>
-              <a:rPr lang="en-US" smtClean="0"/>
+              <a:rPr lang="en-US"/>
               <a:t>Click to edit Master title style</a:t>
             </a:r>
             <a:endParaRPr lang="en-US" dirty="0"/>
@@ -4486,7 +4489,7 @@
           </a:lstStyle>
           <a:p>
             <a:r>
-              <a:rPr lang="en-US" smtClean="0"/>
+              <a:rPr lang="en-US"/>
               <a:t>Click icon to add picture</a:t>
             </a:r>
             <a:endParaRPr lang="en-US" dirty="0"/>
@@ -4554,7 +4557,7 @@
           <a:p>
             <a:pPr lvl="0"/>
             <a:r>
-              <a:rPr lang="en-US" smtClean="0"/>
+              <a:rPr lang="en-US"/>
               <a:t>Edit Master text styles</a:t>
             </a:r>
           </a:p>
@@ -4577,7 +4580,7 @@
           <a:p>
             <a:fld id="{802020DA-F7BC-453F-ACFA-C5AEC466A7CF}" type="datetimeFigureOut">
               <a:rPr lang="en-US" smtClean="0"/>
-              <a:t>2/14/2017</a:t>
+              <a:t>2/15/2017</a:t>
             </a:fld>
             <a:endParaRPr lang="en-US"/>
           </a:p>
@@ -5216,7 +5219,7 @@
           <a:lstStyle/>
           <a:p>
             <a:r>
-              <a:rPr lang="en-US" smtClean="0"/>
+              <a:rPr lang="en-US"/>
               <a:t>Click to edit Master title style</a:t>
             </a:r>
             <a:endParaRPr lang="en-US" dirty="0"/>
@@ -5250,35 +5253,35 @@
           <a:p>
             <a:pPr lvl="0"/>
             <a:r>
-              <a:rPr lang="en-US" smtClean="0"/>
+              <a:rPr lang="en-US"/>
               <a:t>Edit Master text styles</a:t>
             </a:r>
           </a:p>
           <a:p>
             <a:pPr lvl="1"/>
             <a:r>
-              <a:rPr lang="en-US" smtClean="0"/>
+              <a:rPr lang="en-US"/>
               <a:t>Second level</a:t>
             </a:r>
           </a:p>
           <a:p>
             <a:pPr lvl="2"/>
             <a:r>
-              <a:rPr lang="en-US" smtClean="0"/>
+              <a:rPr lang="en-US"/>
               <a:t>Third level</a:t>
             </a:r>
           </a:p>
           <a:p>
             <a:pPr lvl="3"/>
             <a:r>
-              <a:rPr lang="en-US" smtClean="0"/>
+              <a:rPr lang="en-US"/>
               <a:t>Fourth level</a:t>
             </a:r>
           </a:p>
           <a:p>
             <a:pPr lvl="4"/>
             <a:r>
-              <a:rPr lang="en-US" smtClean="0"/>
+              <a:rPr lang="en-US"/>
               <a:t>Fifth level</a:t>
             </a:r>
             <a:endParaRPr lang="en-US" dirty="0"/>
@@ -5320,7 +5323,7 @@
           <a:p>
             <a:fld id="{802020DA-F7BC-453F-ACFA-C5AEC466A7CF}" type="datetimeFigureOut">
               <a:rPr lang="en-US" smtClean="0"/>
-              <a:t>2/14/2017</a:t>
+              <a:t>2/15/2017</a:t>
             </a:fld>
             <a:endParaRPr lang="en-US"/>
           </a:p>
@@ -5860,10 +5863,9 @@
           <a:lstStyle/>
           <a:p>
             <a:r>
-              <a:rPr lang="en-US" dirty="0" smtClean="0"/>
+              <a:rPr lang="en-US" dirty="0"/>
               <a:t>Winter Term Progress Report – Alex Hoffer</a:t>
             </a:r>
-            <a:endParaRPr lang="en-US" dirty="0"/>
           </a:p>
         </p:txBody>
       </p:sp>
@@ -5885,22 +5887,21 @@
           <a:lstStyle/>
           <a:p>
             <a:r>
-              <a:rPr lang="en-US" dirty="0" smtClean="0"/>
+              <a:rPr lang="en-US" dirty="0"/>
               <a:t>CS462</a:t>
             </a:r>
           </a:p>
           <a:p>
             <a:r>
-              <a:rPr lang="en-US" dirty="0" smtClean="0"/>
+              <a:rPr lang="en-US" dirty="0"/>
               <a:t>Group: Stat Champs</a:t>
             </a:r>
           </a:p>
           <a:p>
             <a:r>
-              <a:rPr lang="en-US" dirty="0" smtClean="0"/>
+              <a:rPr lang="en-US" dirty="0"/>
               <a:t>Project: Machine Learn Your Way to March Madness Glory</a:t>
             </a:r>
-            <a:endParaRPr lang="en-US" dirty="0"/>
           </a:p>
         </p:txBody>
       </p:sp>
@@ -5950,10 +5951,9 @@
           <a:lstStyle/>
           <a:p>
             <a:r>
-              <a:rPr lang="en-US" dirty="0" smtClean="0"/>
+              <a:rPr lang="en-US" dirty="0"/>
               <a:t>Responsibility #2: Technologies Used</a:t>
             </a:r>
-            <a:endParaRPr lang="en-US" dirty="0"/>
           </a:p>
         </p:txBody>
       </p:sp>
@@ -5973,10 +5973,9 @@
           <a:lstStyle/>
           <a:p>
             <a:r>
-              <a:rPr lang="en-US" dirty="0" smtClean="0"/>
+              <a:rPr lang="en-US" dirty="0"/>
               <a:t>Essentially a repeat of Responsibility #1’s Technologies Used page. CSS and JavaScript were primarily used here, with JavaScript allowing for us to move from one subcomponent to the next with ease and CSS providing a nice design to the subcomponents.</a:t>
             </a:r>
-            <a:endParaRPr lang="en-US" dirty="0"/>
           </a:p>
         </p:txBody>
       </p:sp>
@@ -6026,10 +6025,9 @@
           <a:lstStyle/>
           <a:p>
             <a:r>
-              <a:rPr lang="en-US" dirty="0" smtClean="0"/>
+              <a:rPr lang="en-US" dirty="0"/>
               <a:t>Responsibility #2: Screenshot, Instructions Page</a:t>
             </a:r>
-            <a:endParaRPr lang="en-US" dirty="0"/>
           </a:p>
         </p:txBody>
       </p:sp>
@@ -6103,10 +6101,9 @@
           <a:lstStyle/>
           <a:p>
             <a:r>
-              <a:rPr lang="en-US" dirty="0" smtClean="0"/>
+              <a:rPr lang="en-US" dirty="0"/>
               <a:t>Responsibility #2: Screenshot, Module Page</a:t>
             </a:r>
-            <a:endParaRPr lang="en-US" dirty="0"/>
           </a:p>
         </p:txBody>
       </p:sp>
@@ -6180,10 +6177,9 @@
           <a:lstStyle/>
           <a:p>
             <a:r>
-              <a:rPr lang="en-US" dirty="0" smtClean="0"/>
+              <a:rPr lang="en-US" dirty="0"/>
               <a:t>Responsibility #2: Screenshot, Purpose Page </a:t>
             </a:r>
-            <a:endParaRPr lang="en-US" dirty="0"/>
           </a:p>
         </p:txBody>
       </p:sp>
@@ -6257,10 +6253,9 @@
           <a:lstStyle/>
           <a:p>
             <a:r>
-              <a:rPr lang="en-US" dirty="0" smtClean="0"/>
+              <a:rPr lang="en-US" dirty="0"/>
               <a:t>Responsibility #2: Screenshot, About Page</a:t>
             </a:r>
-            <a:endParaRPr lang="en-US" dirty="0"/>
           </a:p>
         </p:txBody>
       </p:sp>
@@ -6334,42 +6329,40 @@
           <a:lstStyle/>
           <a:p>
             <a:r>
-              <a:rPr lang="en-US" dirty="0" smtClean="0"/>
+              <a:rPr lang="en-US" dirty="0"/>
               <a:t>Responsibility #2: Demonstration</a:t>
             </a:r>
+          </a:p>
+        </p:txBody>
+      </p:sp>
+      <p:sp>
+        <p:nvSpPr>
+          <p:cNvPr id="3" name="Content Placeholder 2"/>
+          <p:cNvSpPr>
+            <a:spLocks noGrp="1"/>
+          </p:cNvSpPr>
+          <p:nvPr>
+            <p:ph idx="1"/>
+          </p:nvPr>
+        </p:nvSpPr>
+        <p:spPr/>
+        <p:txBody>
+          <a:bodyPr/>
+          <a:lstStyle/>
+          <a:p>
+            <a:r>
+              <a:rPr lang="en-US" dirty="0"/>
+              <a:t>The screenshots of this Responsibility do it a lot of justice, but we can do a quick demonstration of what the subcomponents look like and how we get from one to the other using the buttons.</a:t>
+            </a:r>
+          </a:p>
+          <a:p>
             <a:endParaRPr lang="en-US" dirty="0"/>
           </a:p>
-        </p:txBody>
-      </p:sp>
-      <p:sp>
-        <p:nvSpPr>
-          <p:cNvPr id="3" name="Content Placeholder 2"/>
-          <p:cNvSpPr>
-            <a:spLocks noGrp="1"/>
-          </p:cNvSpPr>
-          <p:nvPr>
-            <p:ph idx="1"/>
-          </p:nvPr>
-        </p:nvSpPr>
-        <p:spPr/>
-        <p:txBody>
-          <a:bodyPr/>
-          <a:lstStyle/>
-          <a:p>
-            <a:r>
-              <a:rPr lang="en-US" dirty="0" smtClean="0"/>
-              <a:t>The screenshots of this Responsibility do it a lot of justice, but we can do a quick demonstration of what the subcomponents look like and how we get from one to the other using the buttons.</a:t>
-            </a:r>
-          </a:p>
-          <a:p>
-            <a:endParaRPr lang="en-US" dirty="0"/>
-          </a:p>
-          <a:p>
-            <a:r>
-              <a:rPr lang="en-US" dirty="0" smtClean="0"/>
+          <a:p>
+            <a:r>
+              <a:rPr lang="en-US" dirty="0"/>
               <a:t>http://web.engr.oregonstate.edu/~hoffera/CapstoneProject/MachineLearnYourWayToMarchMadnessGlory.html</a:t>
             </a:r>
-            <a:endParaRPr lang="en-US" dirty="0"/>
           </a:p>
         </p:txBody>
       </p:sp>
@@ -6421,66 +6414,64 @@
           <a:lstStyle/>
           <a:p>
             <a:r>
-              <a:rPr lang="en-US" dirty="0" smtClean="0"/>
+              <a:rPr lang="en-US" dirty="0"/>
               <a:t>End of Winter Term and Abroad: What Alex needs to do to complete this project + course</a:t>
             </a:r>
+          </a:p>
+        </p:txBody>
+      </p:sp>
+      <p:sp>
+        <p:nvSpPr>
+          <p:cNvPr id="3" name="Content Placeholder 2"/>
+          <p:cNvSpPr>
+            <a:spLocks noGrp="1"/>
+          </p:cNvSpPr>
+          <p:nvPr>
+            <p:ph idx="1"/>
+          </p:nvPr>
+        </p:nvSpPr>
+        <p:spPr/>
+        <p:txBody>
+          <a:bodyPr/>
+          <a:lstStyle/>
+          <a:p>
+            <a:r>
+              <a:rPr lang="en-US" dirty="0"/>
+              <a:t>Fulfill responsibility #3</a:t>
+            </a:r>
+          </a:p>
+          <a:p>
+            <a:pPr lvl="1"/>
+            <a:r>
+              <a:rPr lang="en-US" dirty="0"/>
+              <a:t>Description of responsibility #3: Given a machine learned bracket of </a:t>
+            </a:r>
+            <a:r>
+              <a:rPr lang="en-US" dirty="0" err="1"/>
+              <a:t>Chongxian’s</a:t>
+            </a:r>
+            <a:r>
+              <a:rPr lang="en-US" dirty="0"/>
+              <a:t> creation, format it to look nice</a:t>
+            </a:r>
+          </a:p>
+          <a:p>
+            <a:r>
+              <a:rPr lang="en-US" dirty="0"/>
+              <a:t>Help develop poster</a:t>
+            </a:r>
+          </a:p>
+          <a:p>
+            <a:r>
+              <a:rPr lang="en-US" dirty="0"/>
+              <a:t>Present poster at Spring Expo</a:t>
+            </a:r>
+          </a:p>
+          <a:p>
+            <a:pPr marL="457200" lvl="1" indent="0">
+              <a:buNone/>
+            </a:pPr>
             <a:endParaRPr lang="en-US" dirty="0"/>
-          </a:p>
-        </p:txBody>
-      </p:sp>
-      <p:sp>
-        <p:nvSpPr>
-          <p:cNvPr id="3" name="Content Placeholder 2"/>
-          <p:cNvSpPr>
-            <a:spLocks noGrp="1"/>
-          </p:cNvSpPr>
-          <p:nvPr>
-            <p:ph idx="1"/>
-          </p:nvPr>
-        </p:nvSpPr>
-        <p:spPr/>
-        <p:txBody>
-          <a:bodyPr/>
-          <a:lstStyle/>
-          <a:p>
-            <a:r>
-              <a:rPr lang="en-US" dirty="0" smtClean="0"/>
-              <a:t>Fulfill responsibility #3</a:t>
-            </a:r>
-          </a:p>
-          <a:p>
-            <a:pPr lvl="1"/>
-            <a:r>
-              <a:rPr lang="en-US" dirty="0" smtClean="0"/>
-              <a:t>Description of responsibility #3: Given a machine learned bracket of </a:t>
-            </a:r>
-            <a:r>
-              <a:rPr lang="en-US" dirty="0" err="1" smtClean="0"/>
-              <a:t>Chongxian’s</a:t>
-            </a:r>
-            <a:r>
-              <a:rPr lang="en-US" dirty="0" smtClean="0"/>
-              <a:t> creation, format it to look nice</a:t>
-            </a:r>
-          </a:p>
-          <a:p>
-            <a:r>
-              <a:rPr lang="en-US" dirty="0" smtClean="0"/>
-              <a:t>Help develop poster</a:t>
-            </a:r>
-          </a:p>
-          <a:p>
-            <a:r>
-              <a:rPr lang="en-US" dirty="0" smtClean="0"/>
-              <a:t>Present poster at Spring Expo</a:t>
-            </a:r>
-            <a:endParaRPr lang="en-US" dirty="0"/>
-          </a:p>
-          <a:p>
-            <a:pPr marL="457200" lvl="1" indent="0">
-              <a:buNone/>
-            </a:pPr>
-            <a:endParaRPr lang="en-US" dirty="0" smtClean="0"/>
           </a:p>
         </p:txBody>
       </p:sp>
@@ -6488,6 +6479,340 @@
     <p:extLst>
       <p:ext uri="{BB962C8B-B14F-4D97-AF65-F5344CB8AC3E}">
         <p14:creationId xmlns:p14="http://schemas.microsoft.com/office/powerpoint/2010/main" val="1670443950"/>
+      </p:ext>
+    </p:extLst>
+  </p:cSld>
+  <p:clrMapOvr>
+    <a:masterClrMapping/>
+  </p:clrMapOvr>
+</p:sld>
+</file>
+
+<file path=ppt/slides/slide17.xml><?xml version="1.0" encoding="utf-8"?>
+<p:sld xmlns:a="http://schemas.openxmlformats.org/drawingml/2006/main" xmlns:r="http://schemas.openxmlformats.org/officeDocument/2006/relationships" xmlns:p="http://schemas.openxmlformats.org/presentationml/2006/main">
+  <p:cSld>
+    <p:spTree>
+      <p:nvGrpSpPr>
+        <p:cNvPr id="1" name=""/>
+        <p:cNvGrpSpPr/>
+        <p:nvPr/>
+      </p:nvGrpSpPr>
+      <p:grpSpPr>
+        <a:xfrm>
+          <a:off x="0" y="0"/>
+          <a:ext cx="0" cy="0"/>
+          <a:chOff x="0" y="0"/>
+          <a:chExt cx="0" cy="0"/>
+        </a:xfrm>
+      </p:grpSpPr>
+      <p:sp>
+        <p:nvSpPr>
+          <p:cNvPr id="2" name="Title 1"/>
+          <p:cNvSpPr>
+            <a:spLocks noGrp="1"/>
+          </p:cNvSpPr>
+          <p:nvPr>
+            <p:ph type="title"/>
+          </p:nvPr>
+        </p:nvSpPr>
+        <p:spPr/>
+        <p:txBody>
+          <a:bodyPr/>
+          <a:lstStyle/>
+          <a:p>
+            <a:r>
+              <a:rPr lang="en-US" dirty="0"/>
+              <a:t>Responsibility #4  </a:t>
+            </a:r>
+          </a:p>
+        </p:txBody>
+      </p:sp>
+      <p:sp>
+        <p:nvSpPr>
+          <p:cNvPr id="3" name="Content Placeholder 2"/>
+          <p:cNvSpPr>
+            <a:spLocks noGrp="1"/>
+          </p:cNvSpPr>
+          <p:nvPr>
+            <p:ph idx="1"/>
+          </p:nvPr>
+        </p:nvSpPr>
+        <p:spPr/>
+        <p:txBody>
+          <a:bodyPr/>
+          <a:lstStyle/>
+          <a:p>
+            <a:pPr marL="0" indent="0">
+              <a:buNone/>
+            </a:pPr>
+            <a:r>
+              <a:rPr lang="en-US" dirty="0"/>
+              <a:t>Getting the data:</a:t>
+            </a:r>
+          </a:p>
+          <a:p>
+            <a:pPr marL="0" indent="0">
+              <a:buNone/>
+            </a:pPr>
+            <a:r>
+              <a:rPr lang="en-US" dirty="0"/>
+              <a:t>For getting the data I actually didn’t use any of the statistics websites I mentioned in the tech review. I ended up finding the data on a website called Kaggle.com, it is a data science website with a wide variety of stats.</a:t>
+            </a:r>
+          </a:p>
+          <a:p>
+            <a:pPr marL="0" indent="0">
+              <a:buNone/>
+            </a:pPr>
+            <a:r>
+              <a:rPr lang="en-US" dirty="0"/>
+              <a:t>This website only had data leading up to this season so I had to manually pull most of the data for this season and any additional stat metrics I or George wanted to have.</a:t>
+            </a:r>
+          </a:p>
+          <a:p>
+            <a:pPr marL="0" indent="0">
+              <a:buNone/>
+            </a:pPr>
+            <a:endParaRPr lang="en-US" dirty="0"/>
+          </a:p>
+        </p:txBody>
+      </p:sp>
+    </p:spTree>
+    <p:extLst>
+      <p:ext uri="{BB962C8B-B14F-4D97-AF65-F5344CB8AC3E}">
+        <p14:creationId xmlns:p14="http://schemas.microsoft.com/office/powerpoint/2010/main" val="992696407"/>
+      </p:ext>
+    </p:extLst>
+  </p:cSld>
+  <p:clrMapOvr>
+    <a:masterClrMapping/>
+  </p:clrMapOvr>
+</p:sld>
+</file>
+
+<file path=ppt/slides/slide18.xml><?xml version="1.0" encoding="utf-8"?>
+<p:sld xmlns:a="http://schemas.openxmlformats.org/drawingml/2006/main" xmlns:r="http://schemas.openxmlformats.org/officeDocument/2006/relationships" xmlns:p="http://schemas.openxmlformats.org/presentationml/2006/main">
+  <p:cSld>
+    <p:spTree>
+      <p:nvGrpSpPr>
+        <p:cNvPr id="1" name=""/>
+        <p:cNvGrpSpPr/>
+        <p:nvPr/>
+      </p:nvGrpSpPr>
+      <p:grpSpPr>
+        <a:xfrm>
+          <a:off x="0" y="0"/>
+          <a:ext cx="0" cy="0"/>
+          <a:chOff x="0" y="0"/>
+          <a:chExt cx="0" cy="0"/>
+        </a:xfrm>
+      </p:grpSpPr>
+      <p:pic>
+        <p:nvPicPr>
+          <p:cNvPr id="4" name="Picture 3"/>
+          <p:cNvPicPr>
+            <a:picLocks noChangeAspect="1"/>
+          </p:cNvPicPr>
+          <p:nvPr/>
+        </p:nvPicPr>
+        <p:blipFill>
+          <a:blip r:embed="rId2">
+            <a:extLst>
+              <a:ext uri="{28A0092B-C50C-407E-A947-70E740481C1C}">
+                <a14:useLocalDpi xmlns:a14="http://schemas.microsoft.com/office/drawing/2010/main" val="0"/>
+              </a:ext>
+            </a:extLst>
+          </a:blip>
+          <a:stretch>
+            <a:fillRect/>
+          </a:stretch>
+        </p:blipFill>
+        <p:spPr>
+          <a:xfrm>
+            <a:off x="4988466" y="2159331"/>
+            <a:ext cx="4202331" cy="3750581"/>
+          </a:xfrm>
+          <a:prstGeom prst="rect">
+            <a:avLst/>
+          </a:prstGeom>
+        </p:spPr>
+      </p:pic>
+      <p:sp>
+        <p:nvSpPr>
+          <p:cNvPr id="2" name="Title 1"/>
+          <p:cNvSpPr>
+            <a:spLocks noGrp="1"/>
+          </p:cNvSpPr>
+          <p:nvPr>
+            <p:ph type="title"/>
+          </p:nvPr>
+        </p:nvSpPr>
+        <p:spPr/>
+        <p:txBody>
+          <a:bodyPr anchor="t">
+            <a:normAutofit/>
+          </a:bodyPr>
+          <a:lstStyle/>
+          <a:p>
+            <a:r>
+              <a:rPr lang="en-US" dirty="0"/>
+              <a:t>Responsibility #4</a:t>
+            </a:r>
+          </a:p>
+        </p:txBody>
+      </p:sp>
+      <p:sp>
+        <p:nvSpPr>
+          <p:cNvPr id="3" name="Content Placeholder 2"/>
+          <p:cNvSpPr>
+            <a:spLocks noGrp="1"/>
+          </p:cNvSpPr>
+          <p:nvPr>
+            <p:ph idx="1"/>
+          </p:nvPr>
+        </p:nvSpPr>
+        <p:spPr>
+          <a:xfrm>
+            <a:off x="677334" y="2160589"/>
+            <a:ext cx="3957349" cy="3749323"/>
+          </a:xfrm>
+        </p:spPr>
+        <p:txBody>
+          <a:bodyPr>
+            <a:normAutofit/>
+          </a:bodyPr>
+          <a:lstStyle/>
+          <a:p>
+            <a:r>
+              <a:rPr lang="en-US" dirty="0"/>
+              <a:t>For getting this years data I started out writing a python script to grab the stats for me, here is a screen shot of part of it.</a:t>
+            </a:r>
+          </a:p>
+          <a:p>
+            <a:endParaRPr lang="en-US" dirty="0"/>
+          </a:p>
+          <a:p>
+            <a:r>
+              <a:rPr lang="en-US" dirty="0"/>
+              <a:t>This part of the script just gets the teams and the </a:t>
+            </a:r>
+            <a:r>
+              <a:rPr lang="en-US" dirty="0" err="1"/>
+              <a:t>url</a:t>
+            </a:r>
+            <a:r>
+              <a:rPr lang="en-US" dirty="0"/>
+              <a:t> of where the data is. This is testing it on NBA data cause there are less teams.</a:t>
+            </a:r>
+          </a:p>
+        </p:txBody>
+      </p:sp>
+    </p:spTree>
+    <p:extLst>
+      <p:ext uri="{BB962C8B-B14F-4D97-AF65-F5344CB8AC3E}">
+        <p14:creationId xmlns:p14="http://schemas.microsoft.com/office/powerpoint/2010/main" val="101180330"/>
+      </p:ext>
+    </p:extLst>
+  </p:cSld>
+  <p:clrMapOvr>
+    <a:masterClrMapping/>
+  </p:clrMapOvr>
+</p:sld>
+</file>
+
+<file path=ppt/slides/slide19.xml><?xml version="1.0" encoding="utf-8"?>
+<p:sld xmlns:a="http://schemas.openxmlformats.org/drawingml/2006/main" xmlns:r="http://schemas.openxmlformats.org/officeDocument/2006/relationships" xmlns:p="http://schemas.openxmlformats.org/presentationml/2006/main">
+  <p:cSld>
+    <p:spTree>
+      <p:nvGrpSpPr>
+        <p:cNvPr id="1" name=""/>
+        <p:cNvGrpSpPr/>
+        <p:nvPr/>
+      </p:nvGrpSpPr>
+      <p:grpSpPr>
+        <a:xfrm>
+          <a:off x="0" y="0"/>
+          <a:ext cx="0" cy="0"/>
+          <a:chOff x="0" y="0"/>
+          <a:chExt cx="0" cy="0"/>
+        </a:xfrm>
+      </p:grpSpPr>
+      <p:sp>
+        <p:nvSpPr>
+          <p:cNvPr id="2" name="Title 1"/>
+          <p:cNvSpPr>
+            <a:spLocks noGrp="1"/>
+          </p:cNvSpPr>
+          <p:nvPr>
+            <p:ph type="title"/>
+          </p:nvPr>
+        </p:nvSpPr>
+        <p:spPr/>
+        <p:txBody>
+          <a:bodyPr/>
+          <a:lstStyle/>
+          <a:p>
+            <a:r>
+              <a:rPr lang="en-US" dirty="0"/>
+              <a:t>Responsibility #5</a:t>
+            </a:r>
+          </a:p>
+        </p:txBody>
+      </p:sp>
+      <p:sp>
+        <p:nvSpPr>
+          <p:cNvPr id="3" name="Content Placeholder 2"/>
+          <p:cNvSpPr>
+            <a:spLocks noGrp="1"/>
+          </p:cNvSpPr>
+          <p:nvPr>
+            <p:ph idx="1"/>
+          </p:nvPr>
+        </p:nvSpPr>
+        <p:spPr/>
+        <p:txBody>
+          <a:bodyPr/>
+          <a:lstStyle/>
+          <a:p>
+            <a:r>
+              <a:rPr lang="en-US" dirty="0"/>
+              <a:t>Storing the data:</a:t>
+            </a:r>
+          </a:p>
+          <a:p>
+            <a:endParaRPr lang="en-US" dirty="0"/>
+          </a:p>
+          <a:p>
+            <a:r>
+              <a:rPr lang="en-US" dirty="0"/>
+              <a:t>For this I am still planning on using </a:t>
+            </a:r>
+            <a:r>
+              <a:rPr lang="en-US" dirty="0" err="1"/>
+              <a:t>phpmyadmin</a:t>
+            </a:r>
+            <a:r>
+              <a:rPr lang="en-US" dirty="0"/>
+              <a:t> to store the data and attach it to the website.</a:t>
+            </a:r>
+          </a:p>
+          <a:p>
+            <a:r>
+              <a:rPr lang="en-US" dirty="0"/>
+              <a:t>I have not started adding the data to the database yet, all the data is just in excel or CSV files as of now. But it wont tale long to add the data because its already in a compatible format for transfer.</a:t>
+            </a:r>
+          </a:p>
+          <a:p>
+            <a:r>
+              <a:rPr lang="en-US" dirty="0"/>
+              <a:t>The database is mainly for the website module so it will most likely be done before the beta release.</a:t>
+            </a:r>
+          </a:p>
+        </p:txBody>
+      </p:sp>
+    </p:spTree>
+    <p:extLst>
+      <p:ext uri="{BB962C8B-B14F-4D97-AF65-F5344CB8AC3E}">
+        <p14:creationId xmlns:p14="http://schemas.microsoft.com/office/powerpoint/2010/main" val="1105823217"/>
       </p:ext>
     </p:extLst>
   </p:cSld>
@@ -6530,10 +6855,9 @@
           <a:lstStyle/>
           <a:p>
             <a:r>
-              <a:rPr lang="en-US" dirty="0" smtClean="0"/>
+              <a:rPr lang="en-US" dirty="0"/>
               <a:t>Term overview as of Week 6</a:t>
             </a:r>
-            <a:endParaRPr lang="en-US" dirty="0"/>
           </a:p>
         </p:txBody>
       </p:sp>
@@ -6553,57 +6877,57 @@
           <a:lstStyle/>
           <a:p>
             <a:r>
-              <a:rPr lang="en-US" dirty="0" smtClean="0"/>
+              <a:rPr lang="en-US" dirty="0"/>
               <a:t>Fulfillment of responsibility #1</a:t>
             </a:r>
           </a:p>
           <a:p>
             <a:r>
-              <a:rPr lang="en-US" dirty="0" smtClean="0"/>
+              <a:rPr lang="en-US" dirty="0"/>
               <a:t>Fulfillment of responsibility #2</a:t>
             </a:r>
           </a:p>
           <a:p>
             <a:r>
-              <a:rPr lang="en-US" dirty="0" smtClean="0"/>
+              <a:rPr lang="en-US" dirty="0"/>
               <a:t>Revision of documents for OneNote hosting</a:t>
             </a:r>
           </a:p>
           <a:p>
             <a:r>
-              <a:rPr lang="en-US" dirty="0" smtClean="0"/>
+              <a:rPr lang="en-US" dirty="0"/>
               <a:t>Writing progress report</a:t>
             </a:r>
           </a:p>
           <a:p>
             <a:r>
-              <a:rPr lang="en-US" dirty="0" smtClean="0"/>
+              <a:rPr lang="en-US" dirty="0"/>
               <a:t>Writing these slides</a:t>
             </a:r>
           </a:p>
           <a:p>
             <a:r>
-              <a:rPr lang="en-US" dirty="0" smtClean="0"/>
+              <a:rPr lang="en-US" dirty="0"/>
               <a:t>Voice-over demonstration (this presentation)</a:t>
             </a:r>
           </a:p>
           <a:p>
             <a:r>
-              <a:rPr lang="en-US" dirty="0" smtClean="0"/>
+              <a:rPr lang="en-US" dirty="0"/>
               <a:t>Team captain responsibilities</a:t>
             </a:r>
           </a:p>
           <a:p>
             <a:pPr lvl="1"/>
             <a:r>
-              <a:rPr lang="en-US" sz="1800" dirty="0" smtClean="0"/>
+              <a:rPr lang="en-US" sz="1800" dirty="0"/>
               <a:t>Uploading documents to OneNote</a:t>
             </a:r>
           </a:p>
           <a:p>
             <a:pPr lvl="1"/>
             <a:r>
-              <a:rPr lang="en-US" sz="1800" dirty="0" smtClean="0"/>
+              <a:rPr lang="en-US" sz="1800" dirty="0"/>
               <a:t>Registering our team for Spring Expo</a:t>
             </a:r>
           </a:p>
@@ -6658,10 +6982,9 @@
           <a:lstStyle/>
           <a:p>
             <a:r>
-              <a:rPr lang="en-US" dirty="0" smtClean="0"/>
+              <a:rPr lang="en-US" dirty="0"/>
               <a:t>Responsibility #1: Description</a:t>
             </a:r>
-            <a:endParaRPr lang="en-US" dirty="0"/>
           </a:p>
         </p:txBody>
       </p:sp>
@@ -6688,61 +7011,61 @@
           <a:lstStyle/>
           <a:p>
             <a:r>
-              <a:rPr lang="en-US" sz="2100" dirty="0" smtClean="0"/>
+              <a:rPr lang="en-US" sz="2100" dirty="0"/>
               <a:t>In abstract: </a:t>
             </a:r>
           </a:p>
           <a:p>
             <a:pPr lvl="1"/>
             <a:r>
-              <a:rPr lang="en-US" sz="2100" dirty="0" smtClean="0"/>
+              <a:rPr lang="en-US" sz="2100" dirty="0"/>
               <a:t>Hosting of web page, </a:t>
             </a:r>
             <a:r>
-              <a:rPr lang="en-US" sz="2100" b="1" dirty="0" smtClean="0"/>
+              <a:rPr lang="en-US" sz="2100" b="1" dirty="0"/>
               <a:t>development of basic Graphical User Interface (GUI) for project to help users navigate through page</a:t>
             </a:r>
           </a:p>
           <a:p>
             <a:pPr lvl="1"/>
             <a:r>
-              <a:rPr lang="en-US" sz="2100" dirty="0" smtClean="0"/>
+              <a:rPr lang="en-US" sz="2100" dirty="0"/>
               <a:t>This bolded sentence was how my first responsibility was described in our Technology Review document, drafted in Fall Term </a:t>
             </a:r>
           </a:p>
           <a:p>
             <a:r>
-              <a:rPr lang="en-US" sz="2100" dirty="0" smtClean="0"/>
+              <a:rPr lang="en-US" sz="2100" dirty="0"/>
               <a:t>Specifically: </a:t>
             </a:r>
           </a:p>
           <a:p>
             <a:pPr lvl="1"/>
             <a:r>
-              <a:rPr lang="en-US" sz="2100" dirty="0" smtClean="0"/>
+              <a:rPr lang="en-US" sz="2100" dirty="0"/>
               <a:t>Host website on my </a:t>
             </a:r>
             <a:r>
-              <a:rPr lang="en-US" sz="2100" dirty="0" err="1" smtClean="0"/>
+              <a:rPr lang="en-US" sz="2100" dirty="0" err="1"/>
               <a:t>public_html</a:t>
             </a:r>
             <a:r>
-              <a:rPr lang="en-US" sz="2100" dirty="0" smtClean="0"/>
+              <a:rPr lang="en-US" sz="2100" dirty="0"/>
               <a:t> branch of the ENGR server</a:t>
             </a:r>
           </a:p>
           <a:p>
             <a:pPr lvl="1"/>
             <a:r>
-              <a:rPr lang="en-US" sz="2100" dirty="0" smtClean="0"/>
+              <a:rPr lang="en-US" sz="2100" dirty="0"/>
               <a:t>Produce HTML: Title of page, Links to other parts of page at top of page using </a:t>
             </a:r>
             <a:r>
-              <a:rPr lang="en-US" sz="2100" dirty="0" err="1" smtClean="0"/>
+              <a:rPr lang="en-US" sz="2100" dirty="0" err="1"/>
               <a:t>divs</a:t>
             </a:r>
             <a:r>
-              <a:rPr lang="en-US" sz="2100" dirty="0" smtClean="0"/>
+              <a:rPr lang="en-US" sz="2100" dirty="0"/>
               <a:t>, lists, sections, etc. The sections of our page that I created include Home, Instructions, Module, Purpose, and About. The modification of such sections are found in my Responsibility #2. The basic structure of our web page. </a:t>
             </a:r>
           </a:p>
@@ -6750,14 +7073,14 @@
             <a:pPr marL="0" indent="0">
               <a:buNone/>
             </a:pPr>
-            <a:endParaRPr lang="en-US" dirty="0" smtClean="0"/>
+            <a:endParaRPr lang="en-US" dirty="0"/>
           </a:p>
           <a:p>
             <a:pPr>
               <a:buFontTx/>
               <a:buChar char="-"/>
             </a:pPr>
-            <a:endParaRPr lang="en-US" dirty="0" smtClean="0"/>
+            <a:endParaRPr lang="en-US" dirty="0"/>
           </a:p>
         </p:txBody>
       </p:sp>
@@ -6807,10 +7130,9 @@
           <a:lstStyle/>
           <a:p>
             <a:r>
-              <a:rPr lang="en-US" dirty="0" smtClean="0"/>
+              <a:rPr lang="en-US" dirty="0"/>
               <a:t>Responsibility #1: Description (continued)</a:t>
             </a:r>
-            <a:endParaRPr lang="en-US" dirty="0"/>
           </a:p>
         </p:txBody>
       </p:sp>
@@ -6901,10 +7223,9 @@
           <a:lstStyle/>
           <a:p>
             <a:r>
-              <a:rPr lang="en-US" dirty="0" smtClean="0"/>
+              <a:rPr lang="en-US" dirty="0"/>
               <a:t>Responsibility #1: Technologies Used</a:t>
             </a:r>
-            <a:endParaRPr lang="en-US" dirty="0"/>
           </a:p>
         </p:txBody>
       </p:sp>
@@ -6931,22 +7252,21 @@
           <a:lstStyle/>
           <a:p>
             <a:r>
-              <a:rPr lang="en-US" sz="2000" dirty="0" smtClean="0"/>
+              <a:rPr lang="en-US" sz="2000" dirty="0"/>
               <a:t>HTML – used to communicate between server and user, divide page into sections such as Home, Instructions, Module, Purpose, and About to improve both usability (user will not be overwhelmed by a massive amount of information) and code readability/maintainability (easier to read and modify code when the entire web page is split into logical chunks that are properly commented).</a:t>
             </a:r>
           </a:p>
           <a:p>
             <a:r>
-              <a:rPr lang="en-US" sz="2000" dirty="0" smtClean="0"/>
+              <a:rPr lang="en-US" sz="2000" dirty="0"/>
               <a:t>CSS – used to make the page look nice. Without CSS, HTML looks quite ugly, which reduces usability of the GUI. Creation of tags in HTML allows for aesthetic modification of page components using separate CSS files that are loaded into the HTML file which generates the page.</a:t>
             </a:r>
           </a:p>
           <a:p>
             <a:r>
-              <a:rPr lang="en-US" sz="2000" dirty="0" smtClean="0"/>
+              <a:rPr lang="en-US" sz="2000" dirty="0"/>
               <a:t>JavaScript – used to make the page more interesting and appealing to interact with. For example, while HTML allowed for the division of the page into smaller components, JavaScript allowed for the navigation between such smaller components without reloading the page.</a:t>
             </a:r>
-            <a:endParaRPr lang="en-US" sz="2000" dirty="0"/>
           </a:p>
         </p:txBody>
       </p:sp>
@@ -6996,10 +7316,9 @@
           <a:lstStyle/>
           <a:p>
             <a:r>
-              <a:rPr lang="en-US" dirty="0" smtClean="0"/>
+              <a:rPr lang="en-US" dirty="0"/>
               <a:t>Responsibility #1: Screenshot of Main Page</a:t>
             </a:r>
-            <a:endParaRPr lang="en-US" dirty="0"/>
           </a:p>
         </p:txBody>
       </p:sp>
@@ -7073,10 +7392,9 @@
           <a:lstStyle/>
           <a:p>
             <a:r>
-              <a:rPr lang="en-US" dirty="0" smtClean="0"/>
+              <a:rPr lang="en-US" dirty="0"/>
               <a:t>Responsibility #1: Demonstration</a:t>
             </a:r>
-            <a:endParaRPr lang="en-US" dirty="0"/>
           </a:p>
         </p:txBody>
       </p:sp>
@@ -7096,16 +7414,15 @@
           <a:lstStyle/>
           <a:p>
             <a:r>
-              <a:rPr lang="en-US" dirty="0" smtClean="0"/>
+              <a:rPr lang="en-US" dirty="0"/>
               <a:t>Of course, a screenshot of the main page of our web site is just one part of Responsibility #1, and to see the JavaScript that Responsibility #1 encompasses, I will load up the page for a demonstration:</a:t>
             </a:r>
           </a:p>
           <a:p>
             <a:r>
-              <a:rPr lang="en-US" dirty="0" smtClean="0"/>
+              <a:rPr lang="en-US" dirty="0"/>
               <a:t>http://web.engr.oregonstate.edu/~hoffera/CapstoneProject/MachineLearnYourWayToMarchMadnessGlory.html</a:t>
             </a:r>
-            <a:endParaRPr lang="en-US" dirty="0"/>
           </a:p>
         </p:txBody>
       </p:sp>
@@ -7155,10 +7472,9 @@
           <a:lstStyle/>
           <a:p>
             <a:r>
-              <a:rPr lang="en-US" dirty="0" smtClean="0"/>
+              <a:rPr lang="en-US" dirty="0"/>
               <a:t>Responsibility #2: Description</a:t>
             </a:r>
-            <a:endParaRPr lang="en-US" dirty="0"/>
           </a:p>
         </p:txBody>
       </p:sp>
@@ -7187,39 +7503,39 @@
           <a:p>
             <a:pPr lvl="1"/>
             <a:r>
-              <a:rPr lang="en-US" sz="1700" b="1" dirty="0" smtClean="0"/>
+              <a:rPr lang="en-US" sz="1700" b="1" dirty="0"/>
               <a:t>Presentation of Instructions on how to use the module (before the module itself is presented)</a:t>
             </a:r>
             <a:r>
-              <a:rPr lang="en-US" sz="1700" dirty="0" smtClean="0"/>
+              <a:rPr lang="en-US" sz="1700" dirty="0"/>
               <a:t>, presentation of Module, Purpose, and About pages.</a:t>
             </a:r>
           </a:p>
           <a:p>
             <a:pPr lvl="1"/>
             <a:r>
-              <a:rPr lang="en-US" sz="1700" dirty="0" smtClean="0"/>
+              <a:rPr lang="en-US" sz="1700" dirty="0"/>
               <a:t>The bolded part of the previous bullet point is how my Responsibility #2 was described in our Technology Review from Fall Term. </a:t>
             </a:r>
           </a:p>
           <a:p>
             <a:r>
-              <a:rPr lang="en-US" sz="1700" dirty="0" smtClean="0"/>
+              <a:rPr lang="en-US" sz="1700" dirty="0"/>
               <a:t>Specifically: </a:t>
             </a:r>
           </a:p>
           <a:p>
             <a:pPr lvl="1"/>
             <a:r>
-              <a:rPr lang="en-US" sz="1700" dirty="0" smtClean="0"/>
+              <a:rPr lang="en-US" sz="1700" dirty="0"/>
               <a:t>Using the foundational GUI developed in Responsibility #1, develop the sub-components found on the main page, including the Instructions, Module, Purpose, and About components. </a:t>
             </a:r>
-            <a:endParaRPr lang="en-US" dirty="0" smtClean="0"/>
+            <a:endParaRPr lang="en-US" dirty="0"/>
           </a:p>
           <a:p>
             <a:pPr lvl="1"/>
             <a:r>
-              <a:rPr lang="en-US" sz="1700" dirty="0" smtClean="0"/>
+              <a:rPr lang="en-US" sz="1700" dirty="0"/>
               <a:t>Use CSS and JavaScript to make each of these subcomponents look nice to enhance usability. For example, a button that navigates to other subcomponents that changes color when the mouse hovers over it.</a:t>
             </a:r>
           </a:p>
@@ -7271,10 +7587,9 @@
           <a:lstStyle/>
           <a:p>
             <a:r>
-              <a:rPr lang="en-US" dirty="0" smtClean="0"/>
+              <a:rPr lang="en-US" dirty="0"/>
               <a:t>Responsibility #2: Description (continued)</a:t>
             </a:r>
-            <a:endParaRPr lang="en-US" dirty="0"/>
           </a:p>
         </p:txBody>
       </p:sp>

--- a/progressReportWinterTerm/AlexHofferWinterTermProgReport.pptx
+++ b/progressReportWinterTerm/AlexHofferWinterTermProgReport.pptx
@@ -21,9 +21,10 @@
     <p:sldId id="271" r:id="rId15"/>
     <p:sldId id="266" r:id="rId16"/>
     <p:sldId id="258" r:id="rId17"/>
-    <p:sldId id="272" r:id="rId18"/>
-    <p:sldId id="273" r:id="rId19"/>
-    <p:sldId id="274" r:id="rId20"/>
+    <p:sldId id="275" r:id="rId18"/>
+    <p:sldId id="272" r:id="rId19"/>
+    <p:sldId id="273" r:id="rId20"/>
+    <p:sldId id="274" r:id="rId21"/>
   </p:sldIdLst>
   <p:sldSz cx="12192000" cy="6858000"/>
   <p:notesSz cx="6858000" cy="9144000"/>
@@ -852,7 +853,7 @@
           <a:p>
             <a:fld id="{802020DA-F7BC-453F-ACFA-C5AEC466A7CF}" type="datetimeFigureOut">
               <a:rPr lang="en-US" smtClean="0"/>
-              <a:t>2/15/2017</a:t>
+              <a:t>2/17/2017</a:t>
             </a:fld>
             <a:endParaRPr lang="en-US"/>
           </a:p>
@@ -1103,7 +1104,7 @@
           <a:p>
             <a:fld id="{802020DA-F7BC-453F-ACFA-C5AEC466A7CF}" type="datetimeFigureOut">
               <a:rPr lang="en-US" smtClean="0"/>
-              <a:t>2/15/2017</a:t>
+              <a:t>2/17/2017</a:t>
             </a:fld>
             <a:endParaRPr lang="en-US"/>
           </a:p>
@@ -1417,7 +1418,7 @@
           <a:p>
             <a:fld id="{802020DA-F7BC-453F-ACFA-C5AEC466A7CF}" type="datetimeFigureOut">
               <a:rPr lang="en-US" smtClean="0"/>
-              <a:t>2/15/2017</a:t>
+              <a:t>2/17/2017</a:t>
             </a:fld>
             <a:endParaRPr lang="en-US"/>
           </a:p>
@@ -1758,7 +1759,7 @@
           <a:p>
             <a:fld id="{802020DA-F7BC-453F-ACFA-C5AEC466A7CF}" type="datetimeFigureOut">
               <a:rPr lang="en-US" smtClean="0"/>
-              <a:t>2/15/2017</a:t>
+              <a:t>2/17/2017</a:t>
             </a:fld>
             <a:endParaRPr lang="en-US"/>
           </a:p>
@@ -2072,7 +2073,7 @@
           <a:p>
             <a:fld id="{802020DA-F7BC-453F-ACFA-C5AEC466A7CF}" type="datetimeFigureOut">
               <a:rPr lang="en-US" smtClean="0"/>
-              <a:t>2/15/2017</a:t>
+              <a:t>2/17/2017</a:t>
             </a:fld>
             <a:endParaRPr lang="en-US"/>
           </a:p>
@@ -2465,7 +2466,7 @@
           <a:p>
             <a:fld id="{802020DA-F7BC-453F-ACFA-C5AEC466A7CF}" type="datetimeFigureOut">
               <a:rPr lang="en-US" smtClean="0"/>
-              <a:t>2/15/2017</a:t>
+              <a:t>2/17/2017</a:t>
             </a:fld>
             <a:endParaRPr lang="en-US"/>
           </a:p>
@@ -2635,7 +2636,7 @@
           <a:p>
             <a:fld id="{802020DA-F7BC-453F-ACFA-C5AEC466A7CF}" type="datetimeFigureOut">
               <a:rPr lang="en-US" smtClean="0"/>
-              <a:t>2/15/2017</a:t>
+              <a:t>2/17/2017</a:t>
             </a:fld>
             <a:endParaRPr lang="en-US"/>
           </a:p>
@@ -2815,7 +2816,7 @@
           <a:p>
             <a:fld id="{802020DA-F7BC-453F-ACFA-C5AEC466A7CF}" type="datetimeFigureOut">
               <a:rPr lang="en-US" smtClean="0"/>
-              <a:t>2/15/2017</a:t>
+              <a:t>2/17/2017</a:t>
             </a:fld>
             <a:endParaRPr lang="en-US"/>
           </a:p>
@@ -2991,7 +2992,7 @@
           <a:p>
             <a:fld id="{802020DA-F7BC-453F-ACFA-C5AEC466A7CF}" type="datetimeFigureOut">
               <a:rPr lang="en-US" smtClean="0"/>
-              <a:t>2/15/2017</a:t>
+              <a:t>2/17/2017</a:t>
             </a:fld>
             <a:endParaRPr lang="en-US"/>
           </a:p>
@@ -3238,7 +3239,7 @@
           <a:p>
             <a:fld id="{802020DA-F7BC-453F-ACFA-C5AEC466A7CF}" type="datetimeFigureOut">
               <a:rPr lang="en-US" smtClean="0"/>
-              <a:t>2/15/2017</a:t>
+              <a:t>2/17/2017</a:t>
             </a:fld>
             <a:endParaRPr lang="en-US"/>
           </a:p>
@@ -3470,7 +3471,7 @@
           <a:p>
             <a:fld id="{802020DA-F7BC-453F-ACFA-C5AEC466A7CF}" type="datetimeFigureOut">
               <a:rPr lang="en-US" smtClean="0"/>
-              <a:t>2/15/2017</a:t>
+              <a:t>2/17/2017</a:t>
             </a:fld>
             <a:endParaRPr lang="en-US"/>
           </a:p>
@@ -3844,7 +3845,7 @@
           <a:p>
             <a:fld id="{802020DA-F7BC-453F-ACFA-C5AEC466A7CF}" type="datetimeFigureOut">
               <a:rPr lang="en-US" smtClean="0"/>
-              <a:t>2/15/2017</a:t>
+              <a:t>2/17/2017</a:t>
             </a:fld>
             <a:endParaRPr lang="en-US"/>
           </a:p>
@@ -3967,7 +3968,7 @@
           <a:p>
             <a:fld id="{802020DA-F7BC-453F-ACFA-C5AEC466A7CF}" type="datetimeFigureOut">
               <a:rPr lang="en-US" smtClean="0"/>
-              <a:t>2/15/2017</a:t>
+              <a:t>2/17/2017</a:t>
             </a:fld>
             <a:endParaRPr lang="en-US"/>
           </a:p>
@@ -4062,7 +4063,7 @@
           <a:p>
             <a:fld id="{802020DA-F7BC-453F-ACFA-C5AEC466A7CF}" type="datetimeFigureOut">
               <a:rPr lang="en-US" smtClean="0"/>
-              <a:t>2/15/2017</a:t>
+              <a:t>2/17/2017</a:t>
             </a:fld>
             <a:endParaRPr lang="en-US"/>
           </a:p>
@@ -4317,7 +4318,7 @@
           <a:p>
             <a:fld id="{802020DA-F7BC-453F-ACFA-C5AEC466A7CF}" type="datetimeFigureOut">
               <a:rPr lang="en-US" smtClean="0"/>
-              <a:t>2/15/2017</a:t>
+              <a:t>2/17/2017</a:t>
             </a:fld>
             <a:endParaRPr lang="en-US"/>
           </a:p>
@@ -4580,7 +4581,7 @@
           <a:p>
             <a:fld id="{802020DA-F7BC-453F-ACFA-C5AEC466A7CF}" type="datetimeFigureOut">
               <a:rPr lang="en-US" smtClean="0"/>
-              <a:t>2/15/2017</a:t>
+              <a:t>2/17/2017</a:t>
             </a:fld>
             <a:endParaRPr lang="en-US"/>
           </a:p>
@@ -5323,7 +5324,7 @@
           <a:p>
             <a:fld id="{802020DA-F7BC-453F-ACFA-C5AEC466A7CF}" type="datetimeFigureOut">
               <a:rPr lang="en-US" smtClean="0"/>
-              <a:t>2/15/2017</a:t>
+              <a:t>2/17/2017</a:t>
             </a:fld>
             <a:endParaRPr lang="en-US"/>
           </a:p>
@@ -6522,6 +6523,103 @@
           <a:p>
             <a:r>
               <a:rPr lang="en-US" dirty="0"/>
+              <a:t>Jakes Overview</a:t>
+            </a:r>
+          </a:p>
+        </p:txBody>
+      </p:sp>
+      <p:sp>
+        <p:nvSpPr>
+          <p:cNvPr id="3" name="Content Placeholder 2"/>
+          <p:cNvSpPr>
+            <a:spLocks noGrp="1"/>
+          </p:cNvSpPr>
+          <p:nvPr>
+            <p:ph idx="1"/>
+          </p:nvPr>
+        </p:nvSpPr>
+        <p:spPr/>
+        <p:txBody>
+          <a:bodyPr>
+            <a:normAutofit/>
+          </a:bodyPr>
+          <a:lstStyle/>
+          <a:p>
+            <a:r>
+              <a:rPr lang="en-US" dirty="0"/>
+              <a:t>So far this term the responsibility I have been focusing on is collecting the data for machine learning training and testing.</a:t>
+            </a:r>
+          </a:p>
+          <a:p>
+            <a:r>
+              <a:rPr lang="en-US" dirty="0"/>
+              <a:t>I will be collecting stats until the basketball season is over which is the beginning of next term.</a:t>
+            </a:r>
+          </a:p>
+          <a:p>
+            <a:r>
+              <a:rPr lang="en-US" dirty="0"/>
+              <a:t>After the stats are done I will put all the data into a database and connect it to Alex’s webpage so we can display the data. </a:t>
+            </a:r>
+          </a:p>
+          <a:p>
+            <a:r>
+              <a:rPr lang="en-US" dirty="0"/>
+              <a:t>I will also be helping Alex implement the python module and bracket on the website because I have some experience with web design.</a:t>
+            </a:r>
+          </a:p>
+          <a:p>
+            <a:endParaRPr lang="en-US" dirty="0"/>
+          </a:p>
+        </p:txBody>
+      </p:sp>
+    </p:spTree>
+    <p:extLst>
+      <p:ext uri="{BB962C8B-B14F-4D97-AF65-F5344CB8AC3E}">
+        <p14:creationId xmlns:p14="http://schemas.microsoft.com/office/powerpoint/2010/main" val="2317466016"/>
+      </p:ext>
+    </p:extLst>
+  </p:cSld>
+  <p:clrMapOvr>
+    <a:masterClrMapping/>
+  </p:clrMapOvr>
+</p:sld>
+</file>
+
+<file path=ppt/slides/slide18.xml><?xml version="1.0" encoding="utf-8"?>
+<p:sld xmlns:a="http://schemas.openxmlformats.org/drawingml/2006/main" xmlns:r="http://schemas.openxmlformats.org/officeDocument/2006/relationships" xmlns:p="http://schemas.openxmlformats.org/presentationml/2006/main">
+  <p:cSld>
+    <p:spTree>
+      <p:nvGrpSpPr>
+        <p:cNvPr id="1" name=""/>
+        <p:cNvGrpSpPr/>
+        <p:nvPr/>
+      </p:nvGrpSpPr>
+      <p:grpSpPr>
+        <a:xfrm>
+          <a:off x="0" y="0"/>
+          <a:ext cx="0" cy="0"/>
+          <a:chOff x="0" y="0"/>
+          <a:chExt cx="0" cy="0"/>
+        </a:xfrm>
+      </p:grpSpPr>
+      <p:sp>
+        <p:nvSpPr>
+          <p:cNvPr id="2" name="Title 1"/>
+          <p:cNvSpPr>
+            <a:spLocks noGrp="1"/>
+          </p:cNvSpPr>
+          <p:nvPr>
+            <p:ph type="title"/>
+          </p:nvPr>
+        </p:nvSpPr>
+        <p:spPr/>
+        <p:txBody>
+          <a:bodyPr/>
+          <a:lstStyle/>
+          <a:p>
+            <a:r>
+              <a:rPr lang="en-US" dirty="0"/>
               <a:t>Responsibility #4  </a:t>
             </a:r>
           </a:p>
@@ -6589,7 +6687,7 @@
 </p:sld>
 </file>
 
-<file path=ppt/slides/slide18.xml><?xml version="1.0" encoding="utf-8"?>
+<file path=ppt/slides/slide19.xml><?xml version="1.0" encoding="utf-8"?>
 <p:sld xmlns:a="http://schemas.openxmlformats.org/drawingml/2006/main" xmlns:r="http://schemas.openxmlformats.org/officeDocument/2006/relationships" xmlns:p="http://schemas.openxmlformats.org/presentationml/2006/main">
   <p:cSld>
     <p:spTree>
@@ -6719,109 +6817,6 @@
 </p:sld>
 </file>
 
-<file path=ppt/slides/slide19.xml><?xml version="1.0" encoding="utf-8"?>
-<p:sld xmlns:a="http://schemas.openxmlformats.org/drawingml/2006/main" xmlns:r="http://schemas.openxmlformats.org/officeDocument/2006/relationships" xmlns:p="http://schemas.openxmlformats.org/presentationml/2006/main">
-  <p:cSld>
-    <p:spTree>
-      <p:nvGrpSpPr>
-        <p:cNvPr id="1" name=""/>
-        <p:cNvGrpSpPr/>
-        <p:nvPr/>
-      </p:nvGrpSpPr>
-      <p:grpSpPr>
-        <a:xfrm>
-          <a:off x="0" y="0"/>
-          <a:ext cx="0" cy="0"/>
-          <a:chOff x="0" y="0"/>
-          <a:chExt cx="0" cy="0"/>
-        </a:xfrm>
-      </p:grpSpPr>
-      <p:sp>
-        <p:nvSpPr>
-          <p:cNvPr id="2" name="Title 1"/>
-          <p:cNvSpPr>
-            <a:spLocks noGrp="1"/>
-          </p:cNvSpPr>
-          <p:nvPr>
-            <p:ph type="title"/>
-          </p:nvPr>
-        </p:nvSpPr>
-        <p:spPr/>
-        <p:txBody>
-          <a:bodyPr/>
-          <a:lstStyle/>
-          <a:p>
-            <a:r>
-              <a:rPr lang="en-US" dirty="0"/>
-              <a:t>Responsibility #5</a:t>
-            </a:r>
-          </a:p>
-        </p:txBody>
-      </p:sp>
-      <p:sp>
-        <p:nvSpPr>
-          <p:cNvPr id="3" name="Content Placeholder 2"/>
-          <p:cNvSpPr>
-            <a:spLocks noGrp="1"/>
-          </p:cNvSpPr>
-          <p:nvPr>
-            <p:ph idx="1"/>
-          </p:nvPr>
-        </p:nvSpPr>
-        <p:spPr/>
-        <p:txBody>
-          <a:bodyPr/>
-          <a:lstStyle/>
-          <a:p>
-            <a:r>
-              <a:rPr lang="en-US" dirty="0"/>
-              <a:t>Storing the data:</a:t>
-            </a:r>
-          </a:p>
-          <a:p>
-            <a:endParaRPr lang="en-US" dirty="0"/>
-          </a:p>
-          <a:p>
-            <a:r>
-              <a:rPr lang="en-US" dirty="0"/>
-              <a:t>For this I am still planning on using </a:t>
-            </a:r>
-            <a:r>
-              <a:rPr lang="en-US" dirty="0" err="1"/>
-              <a:t>phpmyadmin</a:t>
-            </a:r>
-            <a:r>
-              <a:rPr lang="en-US" dirty="0"/>
-              <a:t> to store the data and attach it to the website.</a:t>
-            </a:r>
-          </a:p>
-          <a:p>
-            <a:r>
-              <a:rPr lang="en-US" dirty="0"/>
-              <a:t>I have not started adding the data to the database yet, all the data is just in excel or CSV files as of now. But it wont tale long to add the data because its already in a compatible format for transfer.</a:t>
-            </a:r>
-          </a:p>
-          <a:p>
-            <a:r>
-              <a:rPr lang="en-US" dirty="0"/>
-              <a:t>The database is mainly for the website module so it will most likely be done before the beta release.</a:t>
-            </a:r>
-          </a:p>
-        </p:txBody>
-      </p:sp>
-    </p:spTree>
-    <p:extLst>
-      <p:ext uri="{BB962C8B-B14F-4D97-AF65-F5344CB8AC3E}">
-        <p14:creationId xmlns:p14="http://schemas.microsoft.com/office/powerpoint/2010/main" val="1105823217"/>
-      </p:ext>
-    </p:extLst>
-  </p:cSld>
-  <p:clrMapOvr>
-    <a:masterClrMapping/>
-  </p:clrMapOvr>
-</p:sld>
-</file>
-
 <file path=ppt/slides/slide2.xml><?xml version="1.0" encoding="utf-8"?>
 <p:sld xmlns:a="http://schemas.openxmlformats.org/drawingml/2006/main" xmlns:r="http://schemas.openxmlformats.org/officeDocument/2006/relationships" xmlns:p="http://schemas.openxmlformats.org/presentationml/2006/main">
   <p:cSld>
@@ -6940,6 +6935,109 @@
     <p:extLst>
       <p:ext uri="{BB962C8B-B14F-4D97-AF65-F5344CB8AC3E}">
         <p14:creationId xmlns:p14="http://schemas.microsoft.com/office/powerpoint/2010/main" val="158346322"/>
+      </p:ext>
+    </p:extLst>
+  </p:cSld>
+  <p:clrMapOvr>
+    <a:masterClrMapping/>
+  </p:clrMapOvr>
+</p:sld>
+</file>
+
+<file path=ppt/slides/slide20.xml><?xml version="1.0" encoding="utf-8"?>
+<p:sld xmlns:a="http://schemas.openxmlformats.org/drawingml/2006/main" xmlns:r="http://schemas.openxmlformats.org/officeDocument/2006/relationships" xmlns:p="http://schemas.openxmlformats.org/presentationml/2006/main">
+  <p:cSld>
+    <p:spTree>
+      <p:nvGrpSpPr>
+        <p:cNvPr id="1" name=""/>
+        <p:cNvGrpSpPr/>
+        <p:nvPr/>
+      </p:nvGrpSpPr>
+      <p:grpSpPr>
+        <a:xfrm>
+          <a:off x="0" y="0"/>
+          <a:ext cx="0" cy="0"/>
+          <a:chOff x="0" y="0"/>
+          <a:chExt cx="0" cy="0"/>
+        </a:xfrm>
+      </p:grpSpPr>
+      <p:sp>
+        <p:nvSpPr>
+          <p:cNvPr id="2" name="Title 1"/>
+          <p:cNvSpPr>
+            <a:spLocks noGrp="1"/>
+          </p:cNvSpPr>
+          <p:nvPr>
+            <p:ph type="title"/>
+          </p:nvPr>
+        </p:nvSpPr>
+        <p:spPr/>
+        <p:txBody>
+          <a:bodyPr/>
+          <a:lstStyle/>
+          <a:p>
+            <a:r>
+              <a:rPr lang="en-US" dirty="0"/>
+              <a:t>Responsibility #5</a:t>
+            </a:r>
+          </a:p>
+        </p:txBody>
+      </p:sp>
+      <p:sp>
+        <p:nvSpPr>
+          <p:cNvPr id="3" name="Content Placeholder 2"/>
+          <p:cNvSpPr>
+            <a:spLocks noGrp="1"/>
+          </p:cNvSpPr>
+          <p:nvPr>
+            <p:ph idx="1"/>
+          </p:nvPr>
+        </p:nvSpPr>
+        <p:spPr/>
+        <p:txBody>
+          <a:bodyPr/>
+          <a:lstStyle/>
+          <a:p>
+            <a:r>
+              <a:rPr lang="en-US" dirty="0"/>
+              <a:t>Storing the data:</a:t>
+            </a:r>
+          </a:p>
+          <a:p>
+            <a:endParaRPr lang="en-US" dirty="0"/>
+          </a:p>
+          <a:p>
+            <a:r>
+              <a:rPr lang="en-US" dirty="0"/>
+              <a:t>For this I am still planning on using </a:t>
+            </a:r>
+            <a:r>
+              <a:rPr lang="en-US" dirty="0" err="1"/>
+              <a:t>phpmyadmin</a:t>
+            </a:r>
+            <a:r>
+              <a:rPr lang="en-US" dirty="0"/>
+              <a:t> to store the data and attach it to the website.</a:t>
+            </a:r>
+          </a:p>
+          <a:p>
+            <a:r>
+              <a:rPr lang="en-US" dirty="0"/>
+              <a:t>I have not started adding the data to the database yet, all the data is just in excel or CSV files as of now. But it wont take long to add the data because its already in a compatible format for transfer.</a:t>
+            </a:r>
+          </a:p>
+          <a:p>
+            <a:r>
+              <a:rPr lang="en-US" dirty="0"/>
+              <a:t>The database is mainly for the website module so it will most likely be done before the beta release.</a:t>
+            </a:r>
+          </a:p>
+        </p:txBody>
+      </p:sp>
+    </p:spTree>
+    <p:extLst>
+      <p:ext uri="{BB962C8B-B14F-4D97-AF65-F5344CB8AC3E}">
+        <p14:creationId xmlns:p14="http://schemas.microsoft.com/office/powerpoint/2010/main" val="1105823217"/>
       </p:ext>
     </p:extLst>
   </p:cSld>

--- a/progressReportWinterTerm/AlexHofferWinterTermProgReport.pptx
+++ b/progressReportWinterTerm/AlexHofferWinterTermProgReport.pptx
@@ -4,6 +4,9 @@
   <p:sldMasterIdLst>
     <p:sldMasterId id="2147483660" r:id="rId1"/>
   </p:sldMasterIdLst>
+  <p:notesMasterIdLst>
+    <p:notesMasterId r:id="rId26"/>
+  </p:notesMasterIdLst>
   <p:sldIdLst>
     <p:sldId id="256" r:id="rId2"/>
     <p:sldId id="257" r:id="rId3"/>
@@ -25,6 +28,10 @@
     <p:sldId id="272" r:id="rId19"/>
     <p:sldId id="273" r:id="rId20"/>
     <p:sldId id="274" r:id="rId21"/>
+    <p:sldId id="276" r:id="rId22"/>
+    <p:sldId id="277" r:id="rId23"/>
+    <p:sldId id="278" r:id="rId24"/>
+    <p:sldId id="279" r:id="rId25"/>
   </p:sldIdLst>
   <p:sldSz cx="12192000" cy="6858000"/>
   <p:notesSz cx="6858000" cy="9144000"/>
@@ -129,6 +136,356 @@
     </p:ext>
   </p:extLst>
 </p:presentation>
+</file>
+
+<file path=ppt/notesMasters/notesMaster1.xml><?xml version="1.0" encoding="utf-8"?>
+<p:notesMaster xmlns:a="http://schemas.openxmlformats.org/drawingml/2006/main" xmlns:r="http://schemas.openxmlformats.org/officeDocument/2006/relationships" xmlns:p="http://schemas.openxmlformats.org/presentationml/2006/main">
+  <p:cSld>
+    <p:bg>
+      <p:bgRef idx="1001">
+        <a:schemeClr val="bg1"/>
+      </p:bgRef>
+    </p:bg>
+    <p:spTree>
+      <p:nvGrpSpPr>
+        <p:cNvPr id="1" name=""/>
+        <p:cNvGrpSpPr/>
+        <p:nvPr/>
+      </p:nvGrpSpPr>
+      <p:grpSpPr>
+        <a:xfrm>
+          <a:off x="0" y="0"/>
+          <a:ext cx="0" cy="0"/>
+          <a:chOff x="0" y="0"/>
+          <a:chExt cx="0" cy="0"/>
+        </a:xfrm>
+      </p:grpSpPr>
+      <p:sp>
+        <p:nvSpPr>
+          <p:cNvPr id="2" name="Header Placeholder 1"/>
+          <p:cNvSpPr>
+            <a:spLocks noGrp="1"/>
+          </p:cNvSpPr>
+          <p:nvPr>
+            <p:ph type="hdr" sz="quarter"/>
+          </p:nvPr>
+        </p:nvSpPr>
+        <p:spPr>
+          <a:xfrm>
+            <a:off x="0" y="0"/>
+            <a:ext cx="2971800" cy="458788"/>
+          </a:xfrm>
+          <a:prstGeom prst="rect">
+            <a:avLst/>
+          </a:prstGeom>
+        </p:spPr>
+        <p:txBody>
+          <a:bodyPr vert="horz" lIns="91440" tIns="45720" rIns="91440" bIns="45720" rtlCol="0"/>
+          <a:lstStyle>
+            <a:lvl1pPr algn="l">
+              <a:defRPr sz="1200"/>
+            </a:lvl1pPr>
+          </a:lstStyle>
+          <a:p>
+            <a:endParaRPr lang="en-US"/>
+          </a:p>
+        </p:txBody>
+      </p:sp>
+      <p:sp>
+        <p:nvSpPr>
+          <p:cNvPr id="3" name="Date Placeholder 2"/>
+          <p:cNvSpPr>
+            <a:spLocks noGrp="1"/>
+          </p:cNvSpPr>
+          <p:nvPr>
+            <p:ph type="dt" idx="1"/>
+          </p:nvPr>
+        </p:nvSpPr>
+        <p:spPr>
+          <a:xfrm>
+            <a:off x="3884613" y="0"/>
+            <a:ext cx="2971800" cy="458788"/>
+          </a:xfrm>
+          <a:prstGeom prst="rect">
+            <a:avLst/>
+          </a:prstGeom>
+        </p:spPr>
+        <p:txBody>
+          <a:bodyPr vert="horz" lIns="91440" tIns="45720" rIns="91440" bIns="45720" rtlCol="0"/>
+          <a:lstStyle>
+            <a:lvl1pPr algn="r">
+              <a:defRPr sz="1200"/>
+            </a:lvl1pPr>
+          </a:lstStyle>
+          <a:p>
+            <a:fld id="{71982671-267A-1147-8AC4-B0464A01763F}" type="datetimeFigureOut">
+              <a:rPr lang="en-US" smtClean="0"/>
+              <a:t>2/17/17</a:t>
+            </a:fld>
+            <a:endParaRPr lang="en-US"/>
+          </a:p>
+        </p:txBody>
+      </p:sp>
+      <p:sp>
+        <p:nvSpPr>
+          <p:cNvPr id="4" name="Slide Image Placeholder 3"/>
+          <p:cNvSpPr>
+            <a:spLocks noGrp="1" noRot="1" noChangeAspect="1"/>
+          </p:cNvSpPr>
+          <p:nvPr>
+            <p:ph type="sldImg" idx="2"/>
+          </p:nvPr>
+        </p:nvSpPr>
+        <p:spPr>
+          <a:xfrm>
+            <a:off x="685800" y="1143000"/>
+            <a:ext cx="5486400" cy="3086100"/>
+          </a:xfrm>
+          <a:prstGeom prst="rect">
+            <a:avLst/>
+          </a:prstGeom>
+          <a:noFill/>
+          <a:ln w="12700">
+            <a:solidFill>
+              <a:prstClr val="black"/>
+            </a:solidFill>
+          </a:ln>
+        </p:spPr>
+        <p:txBody>
+          <a:bodyPr vert="horz" lIns="91440" tIns="45720" rIns="91440" bIns="45720" rtlCol="0" anchor="ctr"/>
+          <a:lstStyle/>
+          <a:p>
+            <a:endParaRPr lang="en-US"/>
+          </a:p>
+        </p:txBody>
+      </p:sp>
+      <p:sp>
+        <p:nvSpPr>
+          <p:cNvPr id="5" name="Notes Placeholder 4"/>
+          <p:cNvSpPr>
+            <a:spLocks noGrp="1"/>
+          </p:cNvSpPr>
+          <p:nvPr>
+            <p:ph type="body" sz="quarter" idx="3"/>
+          </p:nvPr>
+        </p:nvSpPr>
+        <p:spPr>
+          <a:xfrm>
+            <a:off x="685800" y="4400550"/>
+            <a:ext cx="5486400" cy="3600450"/>
+          </a:xfrm>
+          <a:prstGeom prst="rect">
+            <a:avLst/>
+          </a:prstGeom>
+        </p:spPr>
+        <p:txBody>
+          <a:bodyPr vert="horz" lIns="91440" tIns="45720" rIns="91440" bIns="45720" rtlCol="0"/>
+          <a:lstStyle/>
+          <a:p>
+            <a:pPr lvl="0"/>
+            <a:r>
+              <a:rPr lang="en-US" smtClean="0"/>
+              <a:t>Click to edit Master text styles</a:t>
+            </a:r>
+          </a:p>
+          <a:p>
+            <a:pPr lvl="1"/>
+            <a:r>
+              <a:rPr lang="en-US" smtClean="0"/>
+              <a:t>Second level</a:t>
+            </a:r>
+          </a:p>
+          <a:p>
+            <a:pPr lvl="2"/>
+            <a:r>
+              <a:rPr lang="en-US" smtClean="0"/>
+              <a:t>Third level</a:t>
+            </a:r>
+          </a:p>
+          <a:p>
+            <a:pPr lvl="3"/>
+            <a:r>
+              <a:rPr lang="en-US" smtClean="0"/>
+              <a:t>Fourth level</a:t>
+            </a:r>
+          </a:p>
+          <a:p>
+            <a:pPr lvl="4"/>
+            <a:r>
+              <a:rPr lang="en-US" smtClean="0"/>
+              <a:t>Fifth level</a:t>
+            </a:r>
+            <a:endParaRPr lang="en-US"/>
+          </a:p>
+        </p:txBody>
+      </p:sp>
+      <p:sp>
+        <p:nvSpPr>
+          <p:cNvPr id="6" name="Footer Placeholder 5"/>
+          <p:cNvSpPr>
+            <a:spLocks noGrp="1"/>
+          </p:cNvSpPr>
+          <p:nvPr>
+            <p:ph type="ftr" sz="quarter" idx="4"/>
+          </p:nvPr>
+        </p:nvSpPr>
+        <p:spPr>
+          <a:xfrm>
+            <a:off x="0" y="8685213"/>
+            <a:ext cx="2971800" cy="458787"/>
+          </a:xfrm>
+          <a:prstGeom prst="rect">
+            <a:avLst/>
+          </a:prstGeom>
+        </p:spPr>
+        <p:txBody>
+          <a:bodyPr vert="horz" lIns="91440" tIns="45720" rIns="91440" bIns="45720" rtlCol="0" anchor="b"/>
+          <a:lstStyle>
+            <a:lvl1pPr algn="l">
+              <a:defRPr sz="1200"/>
+            </a:lvl1pPr>
+          </a:lstStyle>
+          <a:p>
+            <a:endParaRPr lang="en-US"/>
+          </a:p>
+        </p:txBody>
+      </p:sp>
+      <p:sp>
+        <p:nvSpPr>
+          <p:cNvPr id="7" name="Slide Number Placeholder 6"/>
+          <p:cNvSpPr>
+            <a:spLocks noGrp="1"/>
+          </p:cNvSpPr>
+          <p:nvPr>
+            <p:ph type="sldNum" sz="quarter" idx="5"/>
+          </p:nvPr>
+        </p:nvSpPr>
+        <p:spPr>
+          <a:xfrm>
+            <a:off x="3884613" y="8685213"/>
+            <a:ext cx="2971800" cy="458787"/>
+          </a:xfrm>
+          <a:prstGeom prst="rect">
+            <a:avLst/>
+          </a:prstGeom>
+        </p:spPr>
+        <p:txBody>
+          <a:bodyPr vert="horz" lIns="91440" tIns="45720" rIns="91440" bIns="45720" rtlCol="0" anchor="b"/>
+          <a:lstStyle>
+            <a:lvl1pPr algn="r">
+              <a:defRPr sz="1200"/>
+            </a:lvl1pPr>
+          </a:lstStyle>
+          <a:p>
+            <a:fld id="{140BCD9F-4D4B-9440-A71E-69B233501CA8}" type="slidenum">
+              <a:rPr lang="en-US" smtClean="0"/>
+              <a:t>‹#›</a:t>
+            </a:fld>
+            <a:endParaRPr lang="en-US"/>
+          </a:p>
+        </p:txBody>
+      </p:sp>
+    </p:spTree>
+    <p:extLst>
+      <p:ext uri="{BB962C8B-B14F-4D97-AF65-F5344CB8AC3E}">
+        <p14:creationId xmlns:p14="http://schemas.microsoft.com/office/powerpoint/2010/main" val="665303618"/>
+      </p:ext>
+    </p:extLst>
+  </p:cSld>
+  <p:clrMap bg1="lt1" tx1="dk1" bg2="lt2" tx2="dk2" accent1="accent1" accent2="accent2" accent3="accent3" accent4="accent4" accent5="accent5" accent6="accent6" hlink="hlink" folHlink="folHlink"/>
+  <p:notesStyle>
+    <a:lvl1pPr marL="0" algn="l" defTabSz="914400" rtl="0" eaLnBrk="1" latinLnBrk="0" hangingPunct="1">
+      <a:defRPr sz="1200" kern="1200">
+        <a:solidFill>
+          <a:schemeClr val="tx1"/>
+        </a:solidFill>
+        <a:latin typeface="+mn-lt"/>
+        <a:ea typeface="+mn-ea"/>
+        <a:cs typeface="+mn-cs"/>
+      </a:defRPr>
+    </a:lvl1pPr>
+    <a:lvl2pPr marL="457200" algn="l" defTabSz="914400" rtl="0" eaLnBrk="1" latinLnBrk="0" hangingPunct="1">
+      <a:defRPr sz="1200" kern="1200">
+        <a:solidFill>
+          <a:schemeClr val="tx1"/>
+        </a:solidFill>
+        <a:latin typeface="+mn-lt"/>
+        <a:ea typeface="+mn-ea"/>
+        <a:cs typeface="+mn-cs"/>
+      </a:defRPr>
+    </a:lvl2pPr>
+    <a:lvl3pPr marL="914400" algn="l" defTabSz="914400" rtl="0" eaLnBrk="1" latinLnBrk="0" hangingPunct="1">
+      <a:defRPr sz="1200" kern="1200">
+        <a:solidFill>
+          <a:schemeClr val="tx1"/>
+        </a:solidFill>
+        <a:latin typeface="+mn-lt"/>
+        <a:ea typeface="+mn-ea"/>
+        <a:cs typeface="+mn-cs"/>
+      </a:defRPr>
+    </a:lvl3pPr>
+    <a:lvl4pPr marL="1371600" algn="l" defTabSz="914400" rtl="0" eaLnBrk="1" latinLnBrk="0" hangingPunct="1">
+      <a:defRPr sz="1200" kern="1200">
+        <a:solidFill>
+          <a:schemeClr val="tx1"/>
+        </a:solidFill>
+        <a:latin typeface="+mn-lt"/>
+        <a:ea typeface="+mn-ea"/>
+        <a:cs typeface="+mn-cs"/>
+      </a:defRPr>
+    </a:lvl4pPr>
+    <a:lvl5pPr marL="1828800" algn="l" defTabSz="914400" rtl="0" eaLnBrk="1" latinLnBrk="0" hangingPunct="1">
+      <a:defRPr sz="1200" kern="1200">
+        <a:solidFill>
+          <a:schemeClr val="tx1"/>
+        </a:solidFill>
+        <a:latin typeface="+mn-lt"/>
+        <a:ea typeface="+mn-ea"/>
+        <a:cs typeface="+mn-cs"/>
+      </a:defRPr>
+    </a:lvl5pPr>
+    <a:lvl6pPr marL="2286000" algn="l" defTabSz="914400" rtl="0" eaLnBrk="1" latinLnBrk="0" hangingPunct="1">
+      <a:defRPr sz="1200" kern="1200">
+        <a:solidFill>
+          <a:schemeClr val="tx1"/>
+        </a:solidFill>
+        <a:latin typeface="+mn-lt"/>
+        <a:ea typeface="+mn-ea"/>
+        <a:cs typeface="+mn-cs"/>
+      </a:defRPr>
+    </a:lvl6pPr>
+    <a:lvl7pPr marL="2743200" algn="l" defTabSz="914400" rtl="0" eaLnBrk="1" latinLnBrk="0" hangingPunct="1">
+      <a:defRPr sz="1200" kern="1200">
+        <a:solidFill>
+          <a:schemeClr val="tx1"/>
+        </a:solidFill>
+        <a:latin typeface="+mn-lt"/>
+        <a:ea typeface="+mn-ea"/>
+        <a:cs typeface="+mn-cs"/>
+      </a:defRPr>
+    </a:lvl7pPr>
+    <a:lvl8pPr marL="3200400" algn="l" defTabSz="914400" rtl="0" eaLnBrk="1" latinLnBrk="0" hangingPunct="1">
+      <a:defRPr sz="1200" kern="1200">
+        <a:solidFill>
+          <a:schemeClr val="tx1"/>
+        </a:solidFill>
+        <a:latin typeface="+mn-lt"/>
+        <a:ea typeface="+mn-ea"/>
+        <a:cs typeface="+mn-cs"/>
+      </a:defRPr>
+    </a:lvl8pPr>
+    <a:lvl9pPr marL="3657600" algn="l" defTabSz="914400" rtl="0" eaLnBrk="1" latinLnBrk="0" hangingPunct="1">
+      <a:defRPr sz="1200" kern="1200">
+        <a:solidFill>
+          <a:schemeClr val="tx1"/>
+        </a:solidFill>
+        <a:latin typeface="+mn-lt"/>
+        <a:ea typeface="+mn-ea"/>
+        <a:cs typeface="+mn-cs"/>
+      </a:defRPr>
+    </a:lvl9pPr>
+  </p:notesStyle>
+</p:notesMaster>
 </file>
 
 <file path=ppt/slideLayouts/slideLayout1.xml><?xml version="1.0" encoding="utf-8"?>
@@ -853,7 +1210,7 @@
           <a:p>
             <a:fld id="{802020DA-F7BC-453F-ACFA-C5AEC466A7CF}" type="datetimeFigureOut">
               <a:rPr lang="en-US" smtClean="0"/>
-              <a:t>2/17/2017</a:t>
+              <a:t>2/17/17</a:t>
             </a:fld>
             <a:endParaRPr lang="en-US"/>
           </a:p>
@@ -1104,7 +1461,7 @@
           <a:p>
             <a:fld id="{802020DA-F7BC-453F-ACFA-C5AEC466A7CF}" type="datetimeFigureOut">
               <a:rPr lang="en-US" smtClean="0"/>
-              <a:t>2/17/2017</a:t>
+              <a:t>2/17/17</a:t>
             </a:fld>
             <a:endParaRPr lang="en-US"/>
           </a:p>
@@ -1418,7 +1775,7 @@
           <a:p>
             <a:fld id="{802020DA-F7BC-453F-ACFA-C5AEC466A7CF}" type="datetimeFigureOut">
               <a:rPr lang="en-US" smtClean="0"/>
-              <a:t>2/17/2017</a:t>
+              <a:t>2/17/17</a:t>
             </a:fld>
             <a:endParaRPr lang="en-US"/>
           </a:p>
@@ -1759,7 +2116,7 @@
           <a:p>
             <a:fld id="{802020DA-F7BC-453F-ACFA-C5AEC466A7CF}" type="datetimeFigureOut">
               <a:rPr lang="en-US" smtClean="0"/>
-              <a:t>2/17/2017</a:t>
+              <a:t>2/17/17</a:t>
             </a:fld>
             <a:endParaRPr lang="en-US"/>
           </a:p>
@@ -2073,7 +2430,7 @@
           <a:p>
             <a:fld id="{802020DA-F7BC-453F-ACFA-C5AEC466A7CF}" type="datetimeFigureOut">
               <a:rPr lang="en-US" smtClean="0"/>
-              <a:t>2/17/2017</a:t>
+              <a:t>2/17/17</a:t>
             </a:fld>
             <a:endParaRPr lang="en-US"/>
           </a:p>
@@ -2466,7 +2823,7 @@
           <a:p>
             <a:fld id="{802020DA-F7BC-453F-ACFA-C5AEC466A7CF}" type="datetimeFigureOut">
               <a:rPr lang="en-US" smtClean="0"/>
-              <a:t>2/17/2017</a:t>
+              <a:t>2/17/17</a:t>
             </a:fld>
             <a:endParaRPr lang="en-US"/>
           </a:p>
@@ -2636,7 +2993,7 @@
           <a:p>
             <a:fld id="{802020DA-F7BC-453F-ACFA-C5AEC466A7CF}" type="datetimeFigureOut">
               <a:rPr lang="en-US" smtClean="0"/>
-              <a:t>2/17/2017</a:t>
+              <a:t>2/17/17</a:t>
             </a:fld>
             <a:endParaRPr lang="en-US"/>
           </a:p>
@@ -2816,7 +3173,7 @@
           <a:p>
             <a:fld id="{802020DA-F7BC-453F-ACFA-C5AEC466A7CF}" type="datetimeFigureOut">
               <a:rPr lang="en-US" smtClean="0"/>
-              <a:t>2/17/2017</a:t>
+              <a:t>2/17/17</a:t>
             </a:fld>
             <a:endParaRPr lang="en-US"/>
           </a:p>
@@ -2992,7 +3349,7 @@
           <a:p>
             <a:fld id="{802020DA-F7BC-453F-ACFA-C5AEC466A7CF}" type="datetimeFigureOut">
               <a:rPr lang="en-US" smtClean="0"/>
-              <a:t>2/17/2017</a:t>
+              <a:t>2/17/17</a:t>
             </a:fld>
             <a:endParaRPr lang="en-US"/>
           </a:p>
@@ -3239,7 +3596,7 @@
           <a:p>
             <a:fld id="{802020DA-F7BC-453F-ACFA-C5AEC466A7CF}" type="datetimeFigureOut">
               <a:rPr lang="en-US" smtClean="0"/>
-              <a:t>2/17/2017</a:t>
+              <a:t>2/17/17</a:t>
             </a:fld>
             <a:endParaRPr lang="en-US"/>
           </a:p>
@@ -3471,7 +3828,7 @@
           <a:p>
             <a:fld id="{802020DA-F7BC-453F-ACFA-C5AEC466A7CF}" type="datetimeFigureOut">
               <a:rPr lang="en-US" smtClean="0"/>
-              <a:t>2/17/2017</a:t>
+              <a:t>2/17/17</a:t>
             </a:fld>
             <a:endParaRPr lang="en-US"/>
           </a:p>
@@ -3845,7 +4202,7 @@
           <a:p>
             <a:fld id="{802020DA-F7BC-453F-ACFA-C5AEC466A7CF}" type="datetimeFigureOut">
               <a:rPr lang="en-US" smtClean="0"/>
-              <a:t>2/17/2017</a:t>
+              <a:t>2/17/17</a:t>
             </a:fld>
             <a:endParaRPr lang="en-US"/>
           </a:p>
@@ -3968,7 +4325,7 @@
           <a:p>
             <a:fld id="{802020DA-F7BC-453F-ACFA-C5AEC466A7CF}" type="datetimeFigureOut">
               <a:rPr lang="en-US" smtClean="0"/>
-              <a:t>2/17/2017</a:t>
+              <a:t>2/17/17</a:t>
             </a:fld>
             <a:endParaRPr lang="en-US"/>
           </a:p>
@@ -4063,7 +4420,7 @@
           <a:p>
             <a:fld id="{802020DA-F7BC-453F-ACFA-C5AEC466A7CF}" type="datetimeFigureOut">
               <a:rPr lang="en-US" smtClean="0"/>
-              <a:t>2/17/2017</a:t>
+              <a:t>2/17/17</a:t>
             </a:fld>
             <a:endParaRPr lang="en-US"/>
           </a:p>
@@ -4318,7 +4675,7 @@
           <a:p>
             <a:fld id="{802020DA-F7BC-453F-ACFA-C5AEC466A7CF}" type="datetimeFigureOut">
               <a:rPr lang="en-US" smtClean="0"/>
-              <a:t>2/17/2017</a:t>
+              <a:t>2/17/17</a:t>
             </a:fld>
             <a:endParaRPr lang="en-US"/>
           </a:p>
@@ -4581,7 +4938,7 @@
           <a:p>
             <a:fld id="{802020DA-F7BC-453F-ACFA-C5AEC466A7CF}" type="datetimeFigureOut">
               <a:rPr lang="en-US" smtClean="0"/>
-              <a:t>2/17/2017</a:t>
+              <a:t>2/17/17</a:t>
             </a:fld>
             <a:endParaRPr lang="en-US"/>
           </a:p>
@@ -5324,7 +5681,7 @@
           <a:p>
             <a:fld id="{802020DA-F7BC-453F-ACFA-C5AEC466A7CF}" type="datetimeFigureOut">
               <a:rPr lang="en-US" smtClean="0"/>
-              <a:t>2/17/2017</a:t>
+              <a:t>2/17/17</a:t>
             </a:fld>
             <a:endParaRPr lang="en-US"/>
           </a:p>
@@ -6850,8 +7207,12 @@
           <a:lstStyle/>
           <a:p>
             <a:r>
+              <a:rPr lang="en-US" dirty="0" smtClean="0"/>
+              <a:t>Alex’s Term </a:t>
+            </a:r>
+            <a:r>
               <a:rPr lang="en-US" dirty="0"/>
-              <a:t>Term overview as of Week 6</a:t>
+              <a:t>overview as of Week 6</a:t>
             </a:r>
           </a:p>
         </p:txBody>
@@ -7038,6 +7399,550 @@
     <p:extLst>
       <p:ext uri="{BB962C8B-B14F-4D97-AF65-F5344CB8AC3E}">
         <p14:creationId xmlns:p14="http://schemas.microsoft.com/office/powerpoint/2010/main" val="1105823217"/>
+      </p:ext>
+    </p:extLst>
+  </p:cSld>
+  <p:clrMapOvr>
+    <a:masterClrMapping/>
+  </p:clrMapOvr>
+</p:sld>
+</file>
+
+<file path=ppt/slides/slide21.xml><?xml version="1.0" encoding="utf-8"?>
+<p:sld xmlns:a="http://schemas.openxmlformats.org/drawingml/2006/main" xmlns:r="http://schemas.openxmlformats.org/officeDocument/2006/relationships" xmlns:p="http://schemas.openxmlformats.org/presentationml/2006/main">
+  <p:cSld>
+    <p:spTree>
+      <p:nvGrpSpPr>
+        <p:cNvPr id="1" name=""/>
+        <p:cNvGrpSpPr/>
+        <p:nvPr/>
+      </p:nvGrpSpPr>
+      <p:grpSpPr>
+        <a:xfrm>
+          <a:off x="0" y="0"/>
+          <a:ext cx="0" cy="0"/>
+          <a:chOff x="0" y="0"/>
+          <a:chExt cx="0" cy="0"/>
+        </a:xfrm>
+      </p:grpSpPr>
+      <p:sp>
+        <p:nvSpPr>
+          <p:cNvPr id="2" name="Title 1"/>
+          <p:cNvSpPr>
+            <a:spLocks noGrp="1"/>
+          </p:cNvSpPr>
+          <p:nvPr>
+            <p:ph type="title"/>
+          </p:nvPr>
+        </p:nvSpPr>
+        <p:spPr/>
+        <p:txBody>
+          <a:bodyPr/>
+          <a:lstStyle/>
+          <a:p>
+            <a:r>
+              <a:rPr lang="en-US" dirty="0" err="1"/>
+              <a:t>Chongxian’s</a:t>
+            </a:r>
+            <a:r>
+              <a:rPr lang="en-US" dirty="0"/>
+              <a:t> Term overview as of Week 6</a:t>
+            </a:r>
+            <a:endParaRPr lang="en-US" dirty="0"/>
+          </a:p>
+        </p:txBody>
+      </p:sp>
+      <p:sp>
+        <p:nvSpPr>
+          <p:cNvPr id="3" name="Content Placeholder 2"/>
+          <p:cNvSpPr>
+            <a:spLocks noGrp="1"/>
+          </p:cNvSpPr>
+          <p:nvPr>
+            <p:ph idx="1"/>
+          </p:nvPr>
+        </p:nvSpPr>
+        <p:spPr/>
+        <p:txBody>
+          <a:bodyPr/>
+          <a:lstStyle/>
+          <a:p>
+            <a:r>
+              <a:rPr lang="en-US" dirty="0"/>
+              <a:t>Fulfillment of responsibility #6</a:t>
+            </a:r>
+          </a:p>
+          <a:p>
+            <a:r>
+              <a:rPr lang="en-US" dirty="0"/>
+              <a:t>Fulfillment of responsibility #8</a:t>
+            </a:r>
+          </a:p>
+          <a:p>
+            <a:r>
+              <a:rPr lang="en-US" dirty="0"/>
+              <a:t>Keep Track of Weekly Progress</a:t>
+            </a:r>
+          </a:p>
+          <a:p>
+            <a:r>
+              <a:rPr lang="en-US" dirty="0"/>
+              <a:t>Writing progress report</a:t>
+            </a:r>
+          </a:p>
+          <a:p>
+            <a:r>
+              <a:rPr lang="en-US" dirty="0"/>
+              <a:t>Writing slides</a:t>
+            </a:r>
+          </a:p>
+          <a:p>
+            <a:r>
+              <a:rPr lang="en-US" dirty="0"/>
+              <a:t>Voice-over demonstration (this presentation)</a:t>
+            </a:r>
+          </a:p>
+          <a:p>
+            <a:endParaRPr lang="en-US" dirty="0"/>
+          </a:p>
+        </p:txBody>
+      </p:sp>
+    </p:spTree>
+    <p:extLst>
+      <p:ext uri="{BB962C8B-B14F-4D97-AF65-F5344CB8AC3E}">
+        <p14:creationId xmlns:p14="http://schemas.microsoft.com/office/powerpoint/2010/main" val="223021498"/>
+      </p:ext>
+    </p:extLst>
+  </p:cSld>
+  <p:clrMapOvr>
+    <a:masterClrMapping/>
+  </p:clrMapOvr>
+</p:sld>
+</file>
+
+<file path=ppt/slides/slide22.xml><?xml version="1.0" encoding="utf-8"?>
+<p:sld xmlns:a="http://schemas.openxmlformats.org/drawingml/2006/main" xmlns:r="http://schemas.openxmlformats.org/officeDocument/2006/relationships" xmlns:p="http://schemas.openxmlformats.org/presentationml/2006/main">
+  <p:cSld>
+    <p:spTree>
+      <p:nvGrpSpPr>
+        <p:cNvPr id="1" name=""/>
+        <p:cNvGrpSpPr/>
+        <p:nvPr/>
+      </p:nvGrpSpPr>
+      <p:grpSpPr>
+        <a:xfrm>
+          <a:off x="0" y="0"/>
+          <a:ext cx="0" cy="0"/>
+          <a:chOff x="0" y="0"/>
+          <a:chExt cx="0" cy="0"/>
+        </a:xfrm>
+      </p:grpSpPr>
+      <p:sp>
+        <p:nvSpPr>
+          <p:cNvPr id="2" name="Title 1"/>
+          <p:cNvSpPr>
+            <a:spLocks noGrp="1"/>
+          </p:cNvSpPr>
+          <p:nvPr>
+            <p:ph type="title"/>
+          </p:nvPr>
+        </p:nvSpPr>
+        <p:spPr/>
+        <p:txBody>
+          <a:bodyPr/>
+          <a:lstStyle/>
+          <a:p>
+            <a:r>
+              <a:rPr lang="en-US" dirty="0"/>
+              <a:t>Responsibility </a:t>
+            </a:r>
+            <a:r>
+              <a:rPr lang="en-US" dirty="0" smtClean="0"/>
+              <a:t>#6: </a:t>
+            </a:r>
+            <a:r>
+              <a:rPr lang="en-US" dirty="0"/>
+              <a:t>Description</a:t>
+            </a:r>
+          </a:p>
+        </p:txBody>
+      </p:sp>
+      <p:sp>
+        <p:nvSpPr>
+          <p:cNvPr id="3" name="Content Placeholder 2"/>
+          <p:cNvSpPr>
+            <a:spLocks noGrp="1"/>
+          </p:cNvSpPr>
+          <p:nvPr>
+            <p:ph idx="1"/>
+          </p:nvPr>
+        </p:nvSpPr>
+        <p:spPr>
+          <a:xfrm>
+            <a:off x="677334" y="1740865"/>
+            <a:ext cx="8596668" cy="4315162"/>
+          </a:xfrm>
+        </p:spPr>
+        <p:txBody>
+          <a:bodyPr>
+            <a:normAutofit/>
+          </a:bodyPr>
+          <a:lstStyle/>
+          <a:p>
+            <a:r>
+              <a:rPr lang="en-US" sz="2100" dirty="0"/>
+              <a:t>In abstract: </a:t>
+            </a:r>
+          </a:p>
+          <a:p>
+            <a:pPr lvl="1"/>
+            <a:r>
+              <a:rPr lang="en-US" sz="2100" dirty="0"/>
+              <a:t>Explore </a:t>
+            </a:r>
+            <a:r>
+              <a:rPr lang="en-US" sz="2100" dirty="0" err="1"/>
+              <a:t>SciKit</a:t>
+            </a:r>
+            <a:r>
+              <a:rPr lang="en-US" sz="2100" dirty="0"/>
+              <a:t>-Learn library in python</a:t>
+            </a:r>
+            <a:endParaRPr lang="en-US" sz="2100" b="1" dirty="0"/>
+          </a:p>
+          <a:p>
+            <a:pPr lvl="1"/>
+            <a:r>
+              <a:rPr lang="en-US" sz="2100" dirty="0"/>
+              <a:t>Explore Machine Learning methods for our project</a:t>
+            </a:r>
+          </a:p>
+          <a:p>
+            <a:pPr lvl="1"/>
+            <a:r>
+              <a:rPr lang="en-US" sz="2100" dirty="0"/>
+              <a:t>Predict result using data and generate output</a:t>
+            </a:r>
+          </a:p>
+          <a:p>
+            <a:r>
+              <a:rPr lang="en-US" sz="2100" dirty="0"/>
+              <a:t>Specifically: </a:t>
+            </a:r>
+          </a:p>
+          <a:p>
+            <a:pPr lvl="1"/>
+            <a:r>
+              <a:rPr lang="en-US" sz="2100" dirty="0"/>
+              <a:t>Learn Supervised Learning method for our project</a:t>
+            </a:r>
+          </a:p>
+          <a:p>
+            <a:pPr lvl="1"/>
+            <a:r>
+              <a:rPr lang="en-US" sz="2100" dirty="0"/>
+              <a:t>Separate data into training sets and testing sets</a:t>
+            </a:r>
+          </a:p>
+          <a:p>
+            <a:pPr lvl="1"/>
+            <a:r>
+              <a:rPr lang="en-US" sz="2100" dirty="0"/>
+              <a:t>Write codes in Python to fit and predict results</a:t>
+            </a:r>
+          </a:p>
+          <a:p>
+            <a:pPr lvl="1"/>
+            <a:r>
+              <a:rPr lang="en-US" sz="2100" dirty="0"/>
+              <a:t>Produce outputs with confidence of match results as a CSV file</a:t>
+            </a:r>
+            <a:endParaRPr lang="en-US" dirty="0"/>
+          </a:p>
+          <a:p>
+            <a:pPr>
+              <a:buFontTx/>
+              <a:buChar char="-"/>
+            </a:pPr>
+            <a:endParaRPr lang="en-US" dirty="0"/>
+          </a:p>
+        </p:txBody>
+      </p:sp>
+    </p:spTree>
+    <p:extLst>
+      <p:ext uri="{BB962C8B-B14F-4D97-AF65-F5344CB8AC3E}">
+        <p14:creationId xmlns:p14="http://schemas.microsoft.com/office/powerpoint/2010/main" val="963352871"/>
+      </p:ext>
+    </p:extLst>
+  </p:cSld>
+  <p:clrMapOvr>
+    <a:masterClrMapping/>
+  </p:clrMapOvr>
+</p:sld>
+</file>
+
+<file path=ppt/slides/slide23.xml><?xml version="1.0" encoding="utf-8"?>
+<p:sld xmlns:a="http://schemas.openxmlformats.org/drawingml/2006/main" xmlns:r="http://schemas.openxmlformats.org/officeDocument/2006/relationships" xmlns:p="http://schemas.openxmlformats.org/presentationml/2006/main">
+  <p:cSld>
+    <p:spTree>
+      <p:nvGrpSpPr>
+        <p:cNvPr id="1" name=""/>
+        <p:cNvGrpSpPr/>
+        <p:nvPr/>
+      </p:nvGrpSpPr>
+      <p:grpSpPr>
+        <a:xfrm>
+          <a:off x="0" y="0"/>
+          <a:ext cx="0" cy="0"/>
+          <a:chOff x="0" y="0"/>
+          <a:chExt cx="0" cy="0"/>
+        </a:xfrm>
+      </p:grpSpPr>
+      <p:sp>
+        <p:nvSpPr>
+          <p:cNvPr id="2" name="Title 1"/>
+          <p:cNvSpPr>
+            <a:spLocks noGrp="1"/>
+          </p:cNvSpPr>
+          <p:nvPr>
+            <p:ph type="title"/>
+          </p:nvPr>
+        </p:nvSpPr>
+        <p:spPr/>
+        <p:txBody>
+          <a:bodyPr/>
+          <a:lstStyle/>
+          <a:p>
+            <a:r>
+              <a:rPr lang="en-US" dirty="0"/>
+              <a:t>Responsibility </a:t>
+            </a:r>
+            <a:r>
+              <a:rPr lang="en-US" dirty="0" smtClean="0"/>
+              <a:t>#6: </a:t>
+            </a:r>
+            <a:r>
+              <a:rPr lang="en-US" dirty="0"/>
+              <a:t>Technologies Used</a:t>
+            </a:r>
+          </a:p>
+        </p:txBody>
+      </p:sp>
+      <p:sp>
+        <p:nvSpPr>
+          <p:cNvPr id="3" name="Content Placeholder 2"/>
+          <p:cNvSpPr>
+            <a:spLocks noGrp="1"/>
+          </p:cNvSpPr>
+          <p:nvPr>
+            <p:ph idx="1"/>
+          </p:nvPr>
+        </p:nvSpPr>
+        <p:spPr>
+          <a:xfrm>
+            <a:off x="677334" y="1575973"/>
+            <a:ext cx="8596668" cy="3880773"/>
+          </a:xfrm>
+        </p:spPr>
+        <p:txBody>
+          <a:bodyPr>
+            <a:noAutofit/>
+          </a:bodyPr>
+          <a:lstStyle/>
+          <a:p>
+            <a:r>
+              <a:rPr lang="en-US" sz="2000" dirty="0"/>
+              <a:t>Python – I wrote the code in python primarily because Python is a popular and powerful language to use.</a:t>
+            </a:r>
+          </a:p>
+          <a:p>
+            <a:r>
+              <a:rPr lang="en-US" sz="2000" dirty="0" err="1"/>
+              <a:t>SciKit</a:t>
+            </a:r>
+            <a:r>
+              <a:rPr lang="en-US" sz="2000" dirty="0"/>
+              <a:t>-Learn </a:t>
+            </a:r>
+            <a:r>
+              <a:rPr lang="en-US" sz="2000" dirty="0" err="1"/>
+              <a:t>Libray</a:t>
+            </a:r>
+            <a:r>
+              <a:rPr lang="en-US" sz="2000" dirty="0"/>
+              <a:t> </a:t>
+            </a:r>
+            <a:r>
+              <a:rPr lang="mr-IN" sz="2000" dirty="0"/>
+              <a:t>–</a:t>
+            </a:r>
+            <a:r>
+              <a:rPr lang="en-US" sz="2000" dirty="0"/>
+              <a:t> </a:t>
+            </a:r>
+            <a:r>
+              <a:rPr lang="en-US" sz="2000" dirty="0" err="1"/>
+              <a:t>Scikit</a:t>
+            </a:r>
+            <a:r>
+              <a:rPr lang="en-US" sz="2000" dirty="0"/>
+              <a:t>-learn library is a Python based machine learning library. It is open-sourced and easy to learn and use. The website provides rich documentations and examples. Besides </a:t>
+            </a:r>
+            <a:r>
+              <a:rPr lang="en-US" sz="2000" dirty="0" err="1"/>
+              <a:t>SciKit</a:t>
+            </a:r>
+            <a:r>
+              <a:rPr lang="en-US" sz="2000" dirty="0"/>
+              <a:t>-Learn has a large community supporting its development. There are also many machine learning projects I can learn from in GitHub that uses </a:t>
+            </a:r>
+            <a:r>
+              <a:rPr lang="en-US" sz="2000" dirty="0" err="1"/>
+              <a:t>SciKit</a:t>
+            </a:r>
+            <a:r>
+              <a:rPr lang="en-US" sz="2000" dirty="0"/>
+              <a:t>-Learn</a:t>
+            </a:r>
+          </a:p>
+          <a:p>
+            <a:r>
+              <a:rPr lang="en-US" sz="2000" dirty="0"/>
+              <a:t>Machine Learning – In order to understand machine learning better, I also study the Stanford Machine Learning online class by Professor Andrew Ng. </a:t>
+            </a:r>
+            <a:endParaRPr lang="en-US" sz="2000" dirty="0"/>
+          </a:p>
+        </p:txBody>
+      </p:sp>
+    </p:spTree>
+    <p:extLst>
+      <p:ext uri="{BB962C8B-B14F-4D97-AF65-F5344CB8AC3E}">
+        <p14:creationId xmlns:p14="http://schemas.microsoft.com/office/powerpoint/2010/main" val="800976231"/>
+      </p:ext>
+    </p:extLst>
+  </p:cSld>
+  <p:clrMapOvr>
+    <a:masterClrMapping/>
+  </p:clrMapOvr>
+</p:sld>
+</file>
+
+<file path=ppt/slides/slide24.xml><?xml version="1.0" encoding="utf-8"?>
+<p:sld xmlns:a="http://schemas.openxmlformats.org/drawingml/2006/main" xmlns:r="http://schemas.openxmlformats.org/officeDocument/2006/relationships" xmlns:p="http://schemas.openxmlformats.org/presentationml/2006/main">
+  <p:cSld>
+    <p:spTree>
+      <p:nvGrpSpPr>
+        <p:cNvPr id="1" name=""/>
+        <p:cNvGrpSpPr/>
+        <p:nvPr/>
+      </p:nvGrpSpPr>
+      <p:grpSpPr>
+        <a:xfrm>
+          <a:off x="0" y="0"/>
+          <a:ext cx="0" cy="0"/>
+          <a:chOff x="0" y="0"/>
+          <a:chExt cx="0" cy="0"/>
+        </a:xfrm>
+      </p:grpSpPr>
+      <p:sp>
+        <p:nvSpPr>
+          <p:cNvPr id="2" name="Title 1"/>
+          <p:cNvSpPr>
+            <a:spLocks noGrp="1"/>
+          </p:cNvSpPr>
+          <p:nvPr>
+            <p:ph type="title"/>
+          </p:nvPr>
+        </p:nvSpPr>
+        <p:spPr/>
+        <p:txBody>
+          <a:bodyPr/>
+          <a:lstStyle/>
+          <a:p>
+            <a:r>
+              <a:rPr lang="en-US" dirty="0"/>
+              <a:t>Responsibility </a:t>
+            </a:r>
+            <a:r>
+              <a:rPr lang="en-US" dirty="0" smtClean="0"/>
+              <a:t>#6: </a:t>
+            </a:r>
+            <a:r>
+              <a:rPr lang="en-US" dirty="0"/>
+              <a:t>Screenshot </a:t>
+            </a:r>
+            <a:r>
+              <a:rPr lang="en-US" dirty="0" smtClean="0"/>
+              <a:t>of Output</a:t>
+            </a:r>
+            <a:endParaRPr lang="en-US" dirty="0"/>
+          </a:p>
+        </p:txBody>
+      </p:sp>
+      <p:pic>
+        <p:nvPicPr>
+          <p:cNvPr id="3" name="Picture 2"/>
+          <p:cNvPicPr>
+            <a:picLocks noChangeAspect="1"/>
+          </p:cNvPicPr>
+          <p:nvPr/>
+        </p:nvPicPr>
+        <p:blipFill>
+          <a:blip r:embed="rId2">
+            <a:extLst>
+              <a:ext uri="{28A0092B-C50C-407E-A947-70E740481C1C}">
+                <a14:useLocalDpi xmlns:a14="http://schemas.microsoft.com/office/drawing/2010/main" val="0"/>
+              </a:ext>
+            </a:extLst>
+          </a:blip>
+          <a:stretch>
+            <a:fillRect/>
+          </a:stretch>
+        </p:blipFill>
+        <p:spPr>
+          <a:xfrm>
+            <a:off x="865414" y="1270000"/>
+            <a:ext cx="2590800" cy="5511800"/>
+          </a:xfrm>
+          <a:prstGeom prst="rect">
+            <a:avLst/>
+          </a:prstGeom>
+        </p:spPr>
+      </p:pic>
+      <p:sp>
+        <p:nvSpPr>
+          <p:cNvPr id="7" name="Content Placeholder 2"/>
+          <p:cNvSpPr>
+            <a:spLocks noGrp="1"/>
+          </p:cNvSpPr>
+          <p:nvPr>
+            <p:ph idx="1"/>
+          </p:nvPr>
+        </p:nvSpPr>
+        <p:spPr>
+          <a:xfrm>
+            <a:off x="4253291" y="1714501"/>
+            <a:ext cx="5461583" cy="4180114"/>
+          </a:xfrm>
+        </p:spPr>
+        <p:txBody>
+          <a:bodyPr>
+            <a:noAutofit/>
+          </a:bodyPr>
+          <a:lstStyle/>
+          <a:p>
+            <a:r>
+              <a:rPr lang="en-US" sz="2000" dirty="0" smtClean="0"/>
+              <a:t>The output file has two attributes. The first one has the season, team one ID, team two ID separated by an underscore. The second attribute indicate the chances the first team winning over the second team predict by our machine learning model. </a:t>
+            </a:r>
+            <a:endParaRPr lang="en-US" sz="2000" dirty="0"/>
+          </a:p>
+        </p:txBody>
+      </p:sp>
+    </p:spTree>
+    <p:extLst>
+      <p:ext uri="{BB962C8B-B14F-4D97-AF65-F5344CB8AC3E}">
+        <p14:creationId xmlns:p14="http://schemas.microsoft.com/office/powerpoint/2010/main" val="33709460"/>
       </p:ext>
     </p:extLst>
   </p:cSld>
@@ -7996,4 +8901,265 @@
     </a:ext>
   </a:extLst>
 </a:theme>
+</file>
+
+<file path=ppt/theme/theme2.xml><?xml version="1.0" encoding="utf-8"?>
+<a:theme xmlns:a="http://schemas.openxmlformats.org/drawingml/2006/main" name="Office Theme">
+  <a:themeElements>
+    <a:clrScheme name="Office">
+      <a:dk1>
+        <a:sysClr val="windowText" lastClr="000000"/>
+      </a:dk1>
+      <a:lt1>
+        <a:sysClr val="window" lastClr="FFFFFF"/>
+      </a:lt1>
+      <a:dk2>
+        <a:srgbClr val="44546A"/>
+      </a:dk2>
+      <a:lt2>
+        <a:srgbClr val="E7E6E6"/>
+      </a:lt2>
+      <a:accent1>
+        <a:srgbClr val="4472C4"/>
+      </a:accent1>
+      <a:accent2>
+        <a:srgbClr val="ED7D31"/>
+      </a:accent2>
+      <a:accent3>
+        <a:srgbClr val="A5A5A5"/>
+      </a:accent3>
+      <a:accent4>
+        <a:srgbClr val="FFC000"/>
+      </a:accent4>
+      <a:accent5>
+        <a:srgbClr val="5B9BD5"/>
+      </a:accent5>
+      <a:accent6>
+        <a:srgbClr val="70AD47"/>
+      </a:accent6>
+      <a:hlink>
+        <a:srgbClr val="0563C1"/>
+      </a:hlink>
+      <a:folHlink>
+        <a:srgbClr val="954F72"/>
+      </a:folHlink>
+    </a:clrScheme>
+    <a:fontScheme name="Office">
+      <a:majorFont>
+        <a:latin typeface="Calibri Light" panose="020F0302020204030204"/>
+        <a:ea typeface=""/>
+        <a:cs typeface=""/>
+        <a:font script="Jpan" typeface="Yu Gothic Light"/>
+        <a:font script="Hang" typeface="맑은 고딕"/>
+        <a:font script="Hans" typeface="DengXian Light"/>
+        <a:font script="Hant" typeface="新細明體"/>
+        <a:font script="Arab" typeface="Times New Roman"/>
+        <a:font script="Hebr" typeface="Times New Roman"/>
+        <a:font script="Thai" typeface="Angsana New"/>
+        <a:font script="Ethi" typeface="Nyala"/>
+        <a:font script="Beng" typeface="Vrinda"/>
+        <a:font script="Gujr" typeface="Shruti"/>
+        <a:font script="Khmr" typeface="MoolBoran"/>
+        <a:font script="Knda" typeface="Tunga"/>
+        <a:font script="Guru" typeface="Raavi"/>
+        <a:font script="Cans" typeface="Euphemia"/>
+        <a:font script="Cher" typeface="Plantagenet Cherokee"/>
+        <a:font script="Yiii" typeface="Microsoft Yi Baiti"/>
+        <a:font script="Tibt" typeface="Microsoft Himalaya"/>
+        <a:font script="Thaa" typeface="MV Boli"/>
+        <a:font script="Deva" typeface="Mangal"/>
+        <a:font script="Telu" typeface="Gautami"/>
+        <a:font script="Taml" typeface="Latha"/>
+        <a:font script="Syrc" typeface="Estrangelo Edessa"/>
+        <a:font script="Orya" typeface="Kalinga"/>
+        <a:font script="Mlym" typeface="Kartika"/>
+        <a:font script="Laoo" typeface="DokChampa"/>
+        <a:font script="Sinh" typeface="Iskoola Pota"/>
+        <a:font script="Mong" typeface="Mongolian Baiti"/>
+        <a:font script="Viet" typeface="Times New Roman"/>
+        <a:font script="Uigh" typeface="Microsoft Uighur"/>
+        <a:font script="Geor" typeface="Sylfaen"/>
+      </a:majorFont>
+      <a:minorFont>
+        <a:latin typeface="Calibri" panose="020F0502020204030204"/>
+        <a:ea typeface=""/>
+        <a:cs typeface=""/>
+        <a:font script="Jpan" typeface="Yu Gothic"/>
+        <a:font script="Hang" typeface="맑은 고딕"/>
+        <a:font script="Hans" typeface="DengXian"/>
+        <a:font script="Hant" typeface="新細明體"/>
+        <a:font script="Arab" typeface="Arial"/>
+        <a:font script="Hebr" typeface="Arial"/>
+        <a:font script="Thai" typeface="Cordia New"/>
+        <a:font script="Ethi" typeface="Nyala"/>
+        <a:font script="Beng" typeface="Vrinda"/>
+        <a:font script="Gujr" typeface="Shruti"/>
+        <a:font script="Khmr" typeface="DaunPenh"/>
+        <a:font script="Knda" typeface="Tunga"/>
+        <a:font script="Guru" typeface="Raavi"/>
+        <a:font script="Cans" typeface="Euphemia"/>
+        <a:font script="Cher" typeface="Plantagenet Cherokee"/>
+        <a:font script="Yiii" typeface="Microsoft Yi Baiti"/>
+        <a:font script="Tibt" typeface="Microsoft Himalaya"/>
+        <a:font script="Thaa" typeface="MV Boli"/>
+        <a:font script="Deva" typeface="Mangal"/>
+        <a:font script="Telu" typeface="Gautami"/>
+        <a:font script="Taml" typeface="Latha"/>
+        <a:font script="Syrc" typeface="Estrangelo Edessa"/>
+        <a:font script="Orya" typeface="Kalinga"/>
+        <a:font script="Mlym" typeface="Kartika"/>
+        <a:font script="Laoo" typeface="DokChampa"/>
+        <a:font script="Sinh" typeface="Iskoola Pota"/>
+        <a:font script="Mong" typeface="Mongolian Baiti"/>
+        <a:font script="Viet" typeface="Arial"/>
+        <a:font script="Uigh" typeface="Microsoft Uighur"/>
+        <a:font script="Geor" typeface="Sylfaen"/>
+      </a:minorFont>
+    </a:fontScheme>
+    <a:fmtScheme name="Office">
+      <a:fillStyleLst>
+        <a:solidFill>
+          <a:schemeClr val="phClr"/>
+        </a:solidFill>
+        <a:gradFill rotWithShape="1">
+          <a:gsLst>
+            <a:gs pos="0">
+              <a:schemeClr val="phClr">
+                <a:lumMod val="110000"/>
+                <a:satMod val="105000"/>
+                <a:tint val="67000"/>
+              </a:schemeClr>
+            </a:gs>
+            <a:gs pos="50000">
+              <a:schemeClr val="phClr">
+                <a:lumMod val="105000"/>
+                <a:satMod val="103000"/>
+                <a:tint val="73000"/>
+              </a:schemeClr>
+            </a:gs>
+            <a:gs pos="100000">
+              <a:schemeClr val="phClr">
+                <a:lumMod val="105000"/>
+                <a:satMod val="109000"/>
+                <a:tint val="81000"/>
+              </a:schemeClr>
+            </a:gs>
+          </a:gsLst>
+          <a:lin ang="5400000" scaled="0"/>
+        </a:gradFill>
+        <a:gradFill rotWithShape="1">
+          <a:gsLst>
+            <a:gs pos="0">
+              <a:schemeClr val="phClr">
+                <a:satMod val="103000"/>
+                <a:lumMod val="102000"/>
+                <a:tint val="94000"/>
+              </a:schemeClr>
+            </a:gs>
+            <a:gs pos="50000">
+              <a:schemeClr val="phClr">
+                <a:satMod val="110000"/>
+                <a:lumMod val="100000"/>
+                <a:shade val="100000"/>
+              </a:schemeClr>
+            </a:gs>
+            <a:gs pos="100000">
+              <a:schemeClr val="phClr">
+                <a:lumMod val="99000"/>
+                <a:satMod val="120000"/>
+                <a:shade val="78000"/>
+              </a:schemeClr>
+            </a:gs>
+          </a:gsLst>
+          <a:lin ang="5400000" scaled="0"/>
+        </a:gradFill>
+      </a:fillStyleLst>
+      <a:lnStyleLst>
+        <a:ln w="6350" cap="flat" cmpd="sng" algn="ctr">
+          <a:solidFill>
+            <a:schemeClr val="phClr"/>
+          </a:solidFill>
+          <a:prstDash val="solid"/>
+          <a:miter lim="800000"/>
+        </a:ln>
+        <a:ln w="12700" cap="flat" cmpd="sng" algn="ctr">
+          <a:solidFill>
+            <a:schemeClr val="phClr"/>
+          </a:solidFill>
+          <a:prstDash val="solid"/>
+          <a:miter lim="800000"/>
+        </a:ln>
+        <a:ln w="19050" cap="flat" cmpd="sng" algn="ctr">
+          <a:solidFill>
+            <a:schemeClr val="phClr"/>
+          </a:solidFill>
+          <a:prstDash val="solid"/>
+          <a:miter lim="800000"/>
+        </a:ln>
+      </a:lnStyleLst>
+      <a:effectStyleLst>
+        <a:effectStyle>
+          <a:effectLst/>
+        </a:effectStyle>
+        <a:effectStyle>
+          <a:effectLst/>
+        </a:effectStyle>
+        <a:effectStyle>
+          <a:effectLst>
+            <a:outerShdw blurRad="57150" dist="19050" dir="5400000" algn="ctr" rotWithShape="0">
+              <a:srgbClr val="000000">
+                <a:alpha val="63000"/>
+              </a:srgbClr>
+            </a:outerShdw>
+          </a:effectLst>
+        </a:effectStyle>
+      </a:effectStyleLst>
+      <a:bgFillStyleLst>
+        <a:solidFill>
+          <a:schemeClr val="phClr"/>
+        </a:solidFill>
+        <a:solidFill>
+          <a:schemeClr val="phClr">
+            <a:tint val="95000"/>
+            <a:satMod val="170000"/>
+          </a:schemeClr>
+        </a:solidFill>
+        <a:gradFill rotWithShape="1">
+          <a:gsLst>
+            <a:gs pos="0">
+              <a:schemeClr val="phClr">
+                <a:tint val="93000"/>
+                <a:satMod val="150000"/>
+                <a:shade val="98000"/>
+                <a:lumMod val="102000"/>
+              </a:schemeClr>
+            </a:gs>
+            <a:gs pos="50000">
+              <a:schemeClr val="phClr">
+                <a:tint val="98000"/>
+                <a:satMod val="130000"/>
+                <a:shade val="90000"/>
+                <a:lumMod val="103000"/>
+              </a:schemeClr>
+            </a:gs>
+            <a:gs pos="100000">
+              <a:schemeClr val="phClr">
+                <a:shade val="63000"/>
+                <a:satMod val="120000"/>
+              </a:schemeClr>
+            </a:gs>
+          </a:gsLst>
+          <a:lin ang="5400000" scaled="0"/>
+        </a:gradFill>
+      </a:bgFillStyleLst>
+    </a:fmtScheme>
+  </a:themeElements>
+  <a:objectDefaults/>
+  <a:extraClrSchemeLst/>
+  <a:extLst>
+    <a:ext uri="{05A4C25C-085E-4340-85A3-A5531E510DB2}">
+      <thm15:themeFamily xmlns:thm15="http://schemas.microsoft.com/office/thememl/2012/main" name="Office Theme" id="{62F939B6-93AF-4DB8-9C6B-D6C7DFDC589F}" vid="{4A3C46E8-61CC-4603-A589-7422A47A8E4A}"/>
+    </a:ext>
+  </a:extLst>
+</a:theme>
 </file>